--- a/doc/Contras HDL Simulator.pptx
+++ b/doc/Contras HDL Simulator.pptx
@@ -17,6 +17,8 @@
     <p:sldId id="266" r:id="rId11"/>
     <p:sldId id="267" r:id="rId12"/>
     <p:sldId id="268" r:id="rId13"/>
+    <p:sldId id="269" r:id="rId14"/>
+    <p:sldId id="270" r:id="rId15"/>
   </p:sldIdLst>
   <p:sldSz cx="12192000" cy="6858000"/>
   <p:notesSz cx="6858000" cy="9144000"/>
@@ -115,6 +117,11 @@
       </a:defRPr>
     </a:lvl9pPr>
   </p:defaultTextStyle>
+  <p:extLst>
+    <p:ext uri="{EFAFB233-063F-42B5-8137-9DF3F51BA10A}">
+      <p15:sldGuideLst xmlns:p15="http://schemas.microsoft.com/office/powerpoint/2012/main"/>
+    </p:ext>
+  </p:extLst>
 </p:presentation>
 </file>
 
@@ -6807,17 +6814,17 @@
           <a:lstStyle/>
           <a:p>
             <a:r>
-              <a:rPr lang="en-US" altLang="zh-CN" dirty="0"/>
+              <a:rPr lang="en-US" altLang="zh-CN" b="1" dirty="0"/>
               <a:t>Contras HDL Simulator</a:t>
             </a:r>
             <a:br>
-              <a:rPr lang="en-US" altLang="zh-CN" dirty="0"/>
+              <a:rPr lang="en-US" altLang="zh-CN" b="1" dirty="0"/>
             </a:br>
             <a:r>
-              <a:rPr lang="zh-CN" altLang="en-US" sz="4400" dirty="0"/>
+              <a:rPr lang="zh-CN" altLang="en-US" sz="4400" b="1" dirty="0"/>
               <a:t>硬件描述语言功能仿真工具</a:t>
             </a:r>
-            <a:endParaRPr lang="zh-CN" altLang="en-US" dirty="0"/>
+            <a:endParaRPr lang="zh-CN" altLang="en-US" b="1" dirty="0"/>
           </a:p>
         </p:txBody>
       </p:sp>
@@ -6842,7 +6849,56 @@
           <a:bodyPr/>
           <a:lstStyle/>
           <a:p>
-            <a:endParaRPr lang="zh-CN" altLang="en-US" dirty="0"/>
+            <a:r>
+              <a:rPr lang="zh-CN" altLang="en-US" dirty="0"/>
+              <a:t>程序设计基础及语言 </a:t>
+            </a:r>
+            <a:r>
+              <a:rPr lang="en-US" altLang="zh-CN" dirty="0"/>
+              <a:t>II </a:t>
+            </a:r>
+            <a:r>
+              <a:rPr lang="zh-CN" altLang="en-US" dirty="0"/>
+              <a:t>课程设计</a:t>
+            </a:r>
+            <a:endParaRPr lang="en-US" altLang="zh-CN" dirty="0"/>
+          </a:p>
+          <a:p>
+            <a:endParaRPr lang="en-US" altLang="zh-CN" dirty="0"/>
+          </a:p>
+          <a:p>
+            <a:r>
+              <a:rPr lang="en-US" altLang="zh-CN" dirty="0"/>
+              <a:t>JS221102</a:t>
+            </a:r>
+            <a:r>
+              <a:rPr lang="zh-CN" altLang="en-US" dirty="0"/>
+              <a:t>常睿心 </a:t>
+            </a:r>
+            <a:r>
+              <a:rPr lang="en-US" altLang="zh-CN" dirty="0"/>
+              <a:t>JS221103</a:t>
+            </a:r>
+            <a:r>
+              <a:rPr lang="zh-CN" altLang="en-US" dirty="0"/>
+              <a:t>董懿璇 </a:t>
+            </a:r>
+            <a:r>
+              <a:rPr lang="en-US" altLang="zh-CN" dirty="0"/>
+              <a:t>JS221114</a:t>
+            </a:r>
+            <a:r>
+              <a:rPr lang="zh-CN" altLang="en-US" dirty="0"/>
+              <a:t>田昊冬 </a:t>
+            </a:r>
+            <a:r>
+              <a:rPr lang="en-US" altLang="zh-CN" dirty="0"/>
+              <a:t>JS221116</a:t>
+            </a:r>
+            <a:r>
+              <a:rPr lang="zh-CN" altLang="en-US" dirty="0"/>
+              <a:t>倪哲振</a:t>
+            </a:r>
           </a:p>
         </p:txBody>
       </p:sp>
@@ -7975,6 +8031,229 @@
     <p:extLst>
       <p:ext uri="{BB962C8B-B14F-4D97-AF65-F5344CB8AC3E}">
         <p14:creationId xmlns:p14="http://schemas.microsoft.com/office/powerpoint/2010/main" val="4160755875"/>
+      </p:ext>
+    </p:extLst>
+  </p:cSld>
+  <p:clrMapOvr>
+    <a:masterClrMapping/>
+  </p:clrMapOvr>
+</p:sld>
+</file>
+
+<file path=ppt/slides/slide13.xml><?xml version="1.0" encoding="utf-8"?>
+<p:sld xmlns:a="http://schemas.openxmlformats.org/drawingml/2006/main" xmlns:r="http://schemas.openxmlformats.org/officeDocument/2006/relationships" xmlns:p="http://schemas.openxmlformats.org/presentationml/2006/main">
+  <p:cSld>
+    <p:spTree>
+      <p:nvGrpSpPr>
+        <p:cNvPr id="1" name=""/>
+        <p:cNvGrpSpPr/>
+        <p:nvPr/>
+      </p:nvGrpSpPr>
+      <p:grpSpPr>
+        <a:xfrm>
+          <a:off x="0" y="0"/>
+          <a:ext cx="0" cy="0"/>
+          <a:chOff x="0" y="0"/>
+          <a:chExt cx="0" cy="0"/>
+        </a:xfrm>
+      </p:grpSpPr>
+      <p:sp>
+        <p:nvSpPr>
+          <p:cNvPr id="2" name="标题 1">
+            <a:extLst>
+              <a:ext uri="{FF2B5EF4-FFF2-40B4-BE49-F238E27FC236}">
+                <a16:creationId xmlns:a16="http://schemas.microsoft.com/office/drawing/2014/main" id="{D9549CB4-0B46-64D5-123E-B7DE826FBFA4}"/>
+              </a:ext>
+            </a:extLst>
+          </p:cNvPr>
+          <p:cNvSpPr>
+            <a:spLocks noGrp="1"/>
+          </p:cNvSpPr>
+          <p:nvPr>
+            <p:ph type="title"/>
+          </p:nvPr>
+        </p:nvSpPr>
+        <p:spPr/>
+        <p:txBody>
+          <a:bodyPr/>
+          <a:lstStyle/>
+          <a:p>
+            <a:r>
+              <a:rPr lang="en-US" altLang="zh-CN" b="1" dirty="0"/>
+              <a:t>5 </a:t>
+            </a:r>
+            <a:r>
+              <a:rPr lang="zh-CN" altLang="en-US" b="1" dirty="0"/>
+              <a:t>改进空间</a:t>
+            </a:r>
+          </a:p>
+        </p:txBody>
+      </p:sp>
+      <p:sp>
+        <p:nvSpPr>
+          <p:cNvPr id="3" name="内容占位符 2">
+            <a:extLst>
+              <a:ext uri="{FF2B5EF4-FFF2-40B4-BE49-F238E27FC236}">
+                <a16:creationId xmlns:a16="http://schemas.microsoft.com/office/drawing/2014/main" id="{636968B1-27F7-E5E3-D8FD-BDAD1A2C44CA}"/>
+              </a:ext>
+            </a:extLst>
+          </p:cNvPr>
+          <p:cNvSpPr>
+            <a:spLocks noGrp="1"/>
+          </p:cNvSpPr>
+          <p:nvPr>
+            <p:ph idx="1"/>
+          </p:nvPr>
+        </p:nvSpPr>
+        <p:spPr/>
+        <p:txBody>
+          <a:bodyPr/>
+          <a:lstStyle/>
+          <a:p>
+            <a:pPr marL="514350" indent="-514350">
+              <a:buAutoNum type="arabicPeriod"/>
+            </a:pPr>
+            <a:r>
+              <a:rPr lang="zh-CN" altLang="en-US" dirty="0"/>
+              <a:t>语义分析</a:t>
+            </a:r>
+            <a:endParaRPr lang="en-US" altLang="zh-CN" dirty="0"/>
+          </a:p>
+          <a:p>
+            <a:pPr marL="514350" indent="-514350">
+              <a:buAutoNum type="arabicPeriod"/>
+            </a:pPr>
+            <a:r>
+              <a:rPr lang="zh-CN" altLang="en-US" dirty="0"/>
+              <a:t>时序逻辑电路</a:t>
+            </a:r>
+            <a:r>
+              <a:rPr lang="zh-CN" altLang="en-US" dirty="0">
+                <a:solidFill>
+                  <a:srgbClr val="FF0000"/>
+                </a:solidFill>
+              </a:rPr>
+              <a:t>不稳定状态</a:t>
+            </a:r>
+            <a:r>
+              <a:rPr lang="zh-CN" altLang="en-US" dirty="0"/>
+              <a:t>的仿真</a:t>
+            </a:r>
+          </a:p>
+        </p:txBody>
+      </p:sp>
+    </p:spTree>
+    <p:extLst>
+      <p:ext uri="{BB962C8B-B14F-4D97-AF65-F5344CB8AC3E}">
+        <p14:creationId xmlns:p14="http://schemas.microsoft.com/office/powerpoint/2010/main" val="1451056735"/>
+      </p:ext>
+    </p:extLst>
+  </p:cSld>
+  <p:clrMapOvr>
+    <a:masterClrMapping/>
+  </p:clrMapOvr>
+</p:sld>
+</file>
+
+<file path=ppt/slides/slide14.xml><?xml version="1.0" encoding="utf-8"?>
+<p:sld xmlns:a="http://schemas.openxmlformats.org/drawingml/2006/main" xmlns:r="http://schemas.openxmlformats.org/officeDocument/2006/relationships" xmlns:p="http://schemas.openxmlformats.org/presentationml/2006/main">
+  <p:cSld>
+    <p:spTree>
+      <p:nvGrpSpPr>
+        <p:cNvPr id="1" name=""/>
+        <p:cNvGrpSpPr/>
+        <p:nvPr/>
+      </p:nvGrpSpPr>
+      <p:grpSpPr>
+        <a:xfrm>
+          <a:off x="0" y="0"/>
+          <a:ext cx="0" cy="0"/>
+          <a:chOff x="0" y="0"/>
+          <a:chExt cx="0" cy="0"/>
+        </a:xfrm>
+      </p:grpSpPr>
+      <p:sp>
+        <p:nvSpPr>
+          <p:cNvPr id="2" name="标题 1">
+            <a:extLst>
+              <a:ext uri="{FF2B5EF4-FFF2-40B4-BE49-F238E27FC236}">
+                <a16:creationId xmlns:a16="http://schemas.microsoft.com/office/drawing/2014/main" id="{6768E97E-674E-EA7B-D4FA-06D145AC7DC6}"/>
+              </a:ext>
+            </a:extLst>
+          </p:cNvPr>
+          <p:cNvSpPr>
+            <a:spLocks noGrp="1"/>
+          </p:cNvSpPr>
+          <p:nvPr>
+            <p:ph type="title"/>
+          </p:nvPr>
+        </p:nvSpPr>
+        <p:spPr/>
+        <p:txBody>
+          <a:bodyPr/>
+          <a:lstStyle/>
+          <a:p>
+            <a:r>
+              <a:rPr lang="en-US" altLang="zh-CN" b="1" dirty="0"/>
+              <a:t>Thank you!</a:t>
+            </a:r>
+            <a:endParaRPr lang="zh-CN" altLang="en-US" b="1" dirty="0"/>
+          </a:p>
+        </p:txBody>
+      </p:sp>
+      <p:sp>
+        <p:nvSpPr>
+          <p:cNvPr id="3" name="内容占位符 2">
+            <a:extLst>
+              <a:ext uri="{FF2B5EF4-FFF2-40B4-BE49-F238E27FC236}">
+                <a16:creationId xmlns:a16="http://schemas.microsoft.com/office/drawing/2014/main" id="{DC9EB82A-C153-34A9-205A-6D6971B4AD3A}"/>
+              </a:ext>
+            </a:extLst>
+          </p:cNvPr>
+          <p:cNvSpPr>
+            <a:spLocks noGrp="1"/>
+          </p:cNvSpPr>
+          <p:nvPr>
+            <p:ph idx="1"/>
+          </p:nvPr>
+        </p:nvSpPr>
+        <p:spPr/>
+        <p:txBody>
+          <a:bodyPr/>
+          <a:lstStyle/>
+          <a:p>
+            <a:r>
+              <a:rPr lang="en-US" altLang="zh-CN" dirty="0">
+                <a:hlinkClick r:id="rId2"/>
+              </a:rPr>
+              <a:t>GitHub Repo</a:t>
+            </a:r>
+            <a:endParaRPr lang="en-US" altLang="zh-CN" dirty="0"/>
+          </a:p>
+          <a:p>
+            <a:r>
+              <a:rPr lang="en-US" altLang="zh-CN" dirty="0">
+                <a:hlinkClick r:id="rId3"/>
+              </a:rPr>
+              <a:t>Coursera: Nand2Tetris</a:t>
+            </a:r>
+            <a:endParaRPr lang="en-US" altLang="zh-CN" dirty="0"/>
+          </a:p>
+          <a:p>
+            <a:r>
+              <a:rPr lang="en-US" altLang="zh-CN" dirty="0">
+                <a:hlinkClick r:id="rId4"/>
+              </a:rPr>
+              <a:t>From Nand To Tetris</a:t>
+            </a:r>
+            <a:endParaRPr lang="zh-CN" altLang="en-US" dirty="0"/>
+          </a:p>
+        </p:txBody>
+      </p:sp>
+    </p:spTree>
+    <p:extLst>
+      <p:ext uri="{BB962C8B-B14F-4D97-AF65-F5344CB8AC3E}">
+        <p14:creationId xmlns:p14="http://schemas.microsoft.com/office/powerpoint/2010/main" val="2368627905"/>
       </p:ext>
     </p:extLst>
   </p:cSld>
@@ -10398,7 +10677,9 @@
               <a:t>使用 </a:t>
             </a:r>
             <a:r>
-              <a:rPr lang="en-US" altLang="zh-CN" dirty="0"/>
+              <a:rPr lang="en-US" altLang="zh-CN" dirty="0">
+                <a:latin typeface="Consolas" panose="020B0609020204030204" pitchFamily="49" charset="0"/>
+              </a:rPr>
               <a:t>std::map </a:t>
             </a:r>
             <a:r>

--- a/doc/Contras HDL Simulator.pptx
+++ b/doc/Contras HDL Simulator.pptx
@@ -10,13 +10,13 @@
     <p:sldId id="258" r:id="rId4"/>
     <p:sldId id="259" r:id="rId5"/>
     <p:sldId id="260" r:id="rId6"/>
-    <p:sldId id="261" r:id="rId7"/>
-    <p:sldId id="262" r:id="rId8"/>
-    <p:sldId id="264" r:id="rId9"/>
-    <p:sldId id="265" r:id="rId10"/>
-    <p:sldId id="266" r:id="rId11"/>
-    <p:sldId id="267" r:id="rId12"/>
-    <p:sldId id="268" r:id="rId13"/>
+    <p:sldId id="267" r:id="rId7"/>
+    <p:sldId id="268" r:id="rId8"/>
+    <p:sldId id="261" r:id="rId9"/>
+    <p:sldId id="262" r:id="rId10"/>
+    <p:sldId id="264" r:id="rId11"/>
+    <p:sldId id="265" r:id="rId12"/>
+    <p:sldId id="266" r:id="rId13"/>
     <p:sldId id="269" r:id="rId14"/>
     <p:sldId id="270" r:id="rId15"/>
   </p:sldIdLst>
@@ -3723,7 +3723,7 @@
           <a:p>
             <a:fld id="{C87AE8E8-FFE4-4A1B-A2F3-FA9BCA7460AA}" type="datetimeFigureOut">
               <a:rPr lang="zh-CN" altLang="en-US" smtClean="0"/>
-              <a:t>2022/6/13</a:t>
+              <a:t>2022/6/15</a:t>
             </a:fld>
             <a:endParaRPr lang="zh-CN" altLang="en-US"/>
           </a:p>
@@ -3921,7 +3921,7 @@
           <a:p>
             <a:fld id="{C87AE8E8-FFE4-4A1B-A2F3-FA9BCA7460AA}" type="datetimeFigureOut">
               <a:rPr lang="zh-CN" altLang="en-US" smtClean="0"/>
-              <a:t>2022/6/13</a:t>
+              <a:t>2022/6/15</a:t>
             </a:fld>
             <a:endParaRPr lang="zh-CN" altLang="en-US"/>
           </a:p>
@@ -4129,7 +4129,7 @@
           <a:p>
             <a:fld id="{C87AE8E8-FFE4-4A1B-A2F3-FA9BCA7460AA}" type="datetimeFigureOut">
               <a:rPr lang="zh-CN" altLang="en-US" smtClean="0"/>
-              <a:t>2022/6/13</a:t>
+              <a:t>2022/6/15</a:t>
             </a:fld>
             <a:endParaRPr lang="zh-CN" altLang="en-US"/>
           </a:p>
@@ -4327,7 +4327,7 @@
           <a:p>
             <a:fld id="{C87AE8E8-FFE4-4A1B-A2F3-FA9BCA7460AA}" type="datetimeFigureOut">
               <a:rPr lang="zh-CN" altLang="en-US" smtClean="0"/>
-              <a:t>2022/6/13</a:t>
+              <a:t>2022/6/15</a:t>
             </a:fld>
             <a:endParaRPr lang="zh-CN" altLang="en-US"/>
           </a:p>
@@ -4602,7 +4602,7 @@
           <a:p>
             <a:fld id="{C87AE8E8-FFE4-4A1B-A2F3-FA9BCA7460AA}" type="datetimeFigureOut">
               <a:rPr lang="zh-CN" altLang="en-US" smtClean="0"/>
-              <a:t>2022/6/13</a:t>
+              <a:t>2022/6/15</a:t>
             </a:fld>
             <a:endParaRPr lang="zh-CN" altLang="en-US"/>
           </a:p>
@@ -4867,7 +4867,7 @@
           <a:p>
             <a:fld id="{C87AE8E8-FFE4-4A1B-A2F3-FA9BCA7460AA}" type="datetimeFigureOut">
               <a:rPr lang="zh-CN" altLang="en-US" smtClean="0"/>
-              <a:t>2022/6/13</a:t>
+              <a:t>2022/6/15</a:t>
             </a:fld>
             <a:endParaRPr lang="zh-CN" altLang="en-US"/>
           </a:p>
@@ -5279,7 +5279,7 @@
           <a:p>
             <a:fld id="{C87AE8E8-FFE4-4A1B-A2F3-FA9BCA7460AA}" type="datetimeFigureOut">
               <a:rPr lang="zh-CN" altLang="en-US" smtClean="0"/>
-              <a:t>2022/6/13</a:t>
+              <a:t>2022/6/15</a:t>
             </a:fld>
             <a:endParaRPr lang="zh-CN" altLang="en-US"/>
           </a:p>
@@ -5420,7 +5420,7 @@
           <a:p>
             <a:fld id="{C87AE8E8-FFE4-4A1B-A2F3-FA9BCA7460AA}" type="datetimeFigureOut">
               <a:rPr lang="zh-CN" altLang="en-US" smtClean="0"/>
-              <a:t>2022/6/13</a:t>
+              <a:t>2022/6/15</a:t>
             </a:fld>
             <a:endParaRPr lang="zh-CN" altLang="en-US"/>
           </a:p>
@@ -5533,7 +5533,7 @@
           <a:p>
             <a:fld id="{C87AE8E8-FFE4-4A1B-A2F3-FA9BCA7460AA}" type="datetimeFigureOut">
               <a:rPr lang="zh-CN" altLang="en-US" smtClean="0"/>
-              <a:t>2022/6/13</a:t>
+              <a:t>2022/6/15</a:t>
             </a:fld>
             <a:endParaRPr lang="zh-CN" altLang="en-US"/>
           </a:p>
@@ -5844,7 +5844,7 @@
           <a:p>
             <a:fld id="{C87AE8E8-FFE4-4A1B-A2F3-FA9BCA7460AA}" type="datetimeFigureOut">
               <a:rPr lang="zh-CN" altLang="en-US" smtClean="0"/>
-              <a:t>2022/6/13</a:t>
+              <a:t>2022/6/15</a:t>
             </a:fld>
             <a:endParaRPr lang="zh-CN" altLang="en-US"/>
           </a:p>
@@ -6132,7 +6132,7 @@
           <a:p>
             <a:fld id="{C87AE8E8-FFE4-4A1B-A2F3-FA9BCA7460AA}" type="datetimeFigureOut">
               <a:rPr lang="zh-CN" altLang="en-US" smtClean="0"/>
-              <a:t>2022/6/13</a:t>
+              <a:t>2022/6/15</a:t>
             </a:fld>
             <a:endParaRPr lang="zh-CN" altLang="en-US"/>
           </a:p>
@@ -6373,7 +6373,7 @@
           <a:p>
             <a:fld id="{C87AE8E8-FFE4-4A1B-A2F3-FA9BCA7460AA}" type="datetimeFigureOut">
               <a:rPr lang="zh-CN" altLang="en-US" smtClean="0"/>
-              <a:t>2022/6/13</a:t>
+              <a:t>2022/6/15</a:t>
             </a:fld>
             <a:endParaRPr lang="zh-CN" altLang="en-US"/>
           </a:p>
@@ -6937,6 +6937,738 @@
           <p:cNvPr id="2" name="标题 1">
             <a:extLst>
               <a:ext uri="{FF2B5EF4-FFF2-40B4-BE49-F238E27FC236}">
+                <a16:creationId xmlns:a16="http://schemas.microsoft.com/office/drawing/2014/main" id="{CEA1E1C3-8639-5392-F29C-9399A8CDEF40}"/>
+              </a:ext>
+            </a:extLst>
+          </p:cNvPr>
+          <p:cNvSpPr>
+            <a:spLocks noGrp="1"/>
+          </p:cNvSpPr>
+          <p:nvPr>
+            <p:ph type="title"/>
+          </p:nvPr>
+        </p:nvSpPr>
+        <p:spPr/>
+        <p:txBody>
+          <a:bodyPr/>
+          <a:lstStyle/>
+          <a:p>
+            <a:r>
+              <a:rPr lang="en-US" altLang="zh-CN" b="1" dirty="0"/>
+              <a:t>4 </a:t>
+            </a:r>
+            <a:r>
+              <a:rPr lang="zh-CN" altLang="en-US" b="1" dirty="0"/>
+              <a:t>设计思路 </a:t>
+            </a:r>
+            <a:r>
+              <a:rPr lang="en-US" altLang="zh-CN" b="1" dirty="0"/>
+              <a:t>– Symbol Definition</a:t>
+            </a:r>
+            <a:endParaRPr lang="zh-CN" altLang="en-US" b="1" dirty="0"/>
+          </a:p>
+        </p:txBody>
+      </p:sp>
+      <p:sp>
+        <p:nvSpPr>
+          <p:cNvPr id="3" name="内容占位符 2">
+            <a:extLst>
+              <a:ext uri="{FF2B5EF4-FFF2-40B4-BE49-F238E27FC236}">
+                <a16:creationId xmlns:a16="http://schemas.microsoft.com/office/drawing/2014/main" id="{382A85AD-F9AF-3FE2-48C5-58504FE830A5}"/>
+              </a:ext>
+            </a:extLst>
+          </p:cNvPr>
+          <p:cNvSpPr>
+            <a:spLocks noGrp="1"/>
+          </p:cNvSpPr>
+          <p:nvPr>
+            <p:ph idx="1"/>
+          </p:nvPr>
+        </p:nvSpPr>
+        <p:spPr/>
+        <p:txBody>
+          <a:bodyPr/>
+          <a:lstStyle/>
+          <a:p>
+            <a:pPr marL="0" indent="0">
+              <a:buNone/>
+            </a:pPr>
+            <a:r>
+              <a:rPr lang="en-US" altLang="zh-CN" dirty="0"/>
+              <a:t>CDL </a:t>
+            </a:r>
+            <a:r>
+              <a:rPr lang="zh-CN" altLang="en-US" dirty="0"/>
+              <a:t>导入结构：有向无环图（</a:t>
+            </a:r>
+            <a:r>
+              <a:rPr lang="en-US" altLang="zh-CN" dirty="0"/>
+              <a:t>DAG</a:t>
+            </a:r>
+            <a:r>
+              <a:rPr lang="zh-CN" altLang="en-US" dirty="0"/>
+              <a:t>）</a:t>
+            </a:r>
+            <a:endParaRPr lang="en-US" altLang="zh-CN" dirty="0"/>
+          </a:p>
+          <a:p>
+            <a:pPr marL="0" indent="0">
+              <a:buNone/>
+            </a:pPr>
+            <a:r>
+              <a:rPr lang="zh-CN" altLang="en-US" dirty="0">
+                <a:solidFill>
+                  <a:srgbClr val="FF0000"/>
+                </a:solidFill>
+              </a:rPr>
+              <a:t>拓扑排序</a:t>
+            </a:r>
+          </a:p>
+        </p:txBody>
+      </p:sp>
+    </p:spTree>
+    <p:extLst>
+      <p:ext uri="{BB962C8B-B14F-4D97-AF65-F5344CB8AC3E}">
+        <p14:creationId xmlns:p14="http://schemas.microsoft.com/office/powerpoint/2010/main" val="617855835"/>
+      </p:ext>
+    </p:extLst>
+  </p:cSld>
+  <p:clrMapOvr>
+    <a:masterClrMapping/>
+  </p:clrMapOvr>
+</p:sld>
+</file>
+
+<file path=ppt/slides/slide11.xml><?xml version="1.0" encoding="utf-8"?>
+<p:sld xmlns:a="http://schemas.openxmlformats.org/drawingml/2006/main" xmlns:r="http://schemas.openxmlformats.org/officeDocument/2006/relationships" xmlns:p="http://schemas.openxmlformats.org/presentationml/2006/main">
+  <p:cSld>
+    <p:spTree>
+      <p:nvGrpSpPr>
+        <p:cNvPr id="1" name=""/>
+        <p:cNvGrpSpPr/>
+        <p:nvPr/>
+      </p:nvGrpSpPr>
+      <p:grpSpPr>
+        <a:xfrm>
+          <a:off x="0" y="0"/>
+          <a:ext cx="0" cy="0"/>
+          <a:chOff x="0" y="0"/>
+          <a:chExt cx="0" cy="0"/>
+        </a:xfrm>
+      </p:grpSpPr>
+      <p:sp>
+        <p:nvSpPr>
+          <p:cNvPr id="2" name="标题 1">
+            <a:extLst>
+              <a:ext uri="{FF2B5EF4-FFF2-40B4-BE49-F238E27FC236}">
+                <a16:creationId xmlns:a16="http://schemas.microsoft.com/office/drawing/2014/main" id="{3B3458D8-96AD-205A-DC95-70892B502F89}"/>
+              </a:ext>
+            </a:extLst>
+          </p:cNvPr>
+          <p:cNvSpPr>
+            <a:spLocks noGrp="1"/>
+          </p:cNvSpPr>
+          <p:nvPr>
+            <p:ph type="title"/>
+          </p:nvPr>
+        </p:nvSpPr>
+        <p:spPr/>
+        <p:txBody>
+          <a:bodyPr/>
+          <a:lstStyle/>
+          <a:p>
+            <a:r>
+              <a:rPr lang="en-US" altLang="zh-CN" b="1" dirty="0"/>
+              <a:t>4 </a:t>
+            </a:r>
+            <a:r>
+              <a:rPr lang="zh-CN" altLang="en-US" b="1" dirty="0"/>
+              <a:t>设计思路 </a:t>
+            </a:r>
+            <a:r>
+              <a:rPr lang="en-US" altLang="zh-CN" b="1" dirty="0"/>
+              <a:t>– Runtime Instance</a:t>
+            </a:r>
+            <a:endParaRPr lang="zh-CN" altLang="en-US" b="1" dirty="0"/>
+          </a:p>
+        </p:txBody>
+      </p:sp>
+      <p:sp>
+        <p:nvSpPr>
+          <p:cNvPr id="3" name="内容占位符 2">
+            <a:extLst>
+              <a:ext uri="{FF2B5EF4-FFF2-40B4-BE49-F238E27FC236}">
+                <a16:creationId xmlns:a16="http://schemas.microsoft.com/office/drawing/2014/main" id="{FCC8AB38-1E3C-247A-0363-30C684EC31B3}"/>
+              </a:ext>
+            </a:extLst>
+          </p:cNvPr>
+          <p:cNvSpPr>
+            <a:spLocks noGrp="1"/>
+          </p:cNvSpPr>
+          <p:nvPr>
+            <p:ph idx="1"/>
+          </p:nvPr>
+        </p:nvSpPr>
+        <p:spPr/>
+        <p:txBody>
+          <a:bodyPr/>
+          <a:lstStyle/>
+          <a:p>
+            <a:r>
+              <a:rPr lang="zh-CN" altLang="en-US" dirty="0"/>
+              <a:t>使用 </a:t>
+            </a:r>
+            <a:r>
+              <a:rPr lang="en-US" altLang="zh-CN" dirty="0">
+                <a:latin typeface="Consolas" panose="020B0609020204030204" pitchFamily="49" charset="0"/>
+              </a:rPr>
+              <a:t>std::map </a:t>
+            </a:r>
+            <a:r>
+              <a:rPr lang="zh-CN" altLang="en-US" dirty="0"/>
+              <a:t>构建</a:t>
+            </a:r>
+            <a:r>
+              <a:rPr lang="zh-CN" altLang="en-US" dirty="0">
+                <a:solidFill>
+                  <a:srgbClr val="FF0000"/>
+                </a:solidFill>
+              </a:rPr>
+              <a:t>元件名</a:t>
+            </a:r>
+            <a:r>
+              <a:rPr lang="zh-CN" altLang="en-US" dirty="0"/>
+              <a:t>与 </a:t>
+            </a:r>
+            <a:r>
+              <a:rPr lang="en-US" altLang="zh-CN" dirty="0">
+                <a:solidFill>
+                  <a:srgbClr val="FF0000"/>
+                </a:solidFill>
+              </a:rPr>
+              <a:t>Symbol Definition </a:t>
+            </a:r>
+            <a:r>
+              <a:rPr lang="zh-CN" altLang="en-US" dirty="0"/>
+              <a:t>的映射</a:t>
+            </a:r>
+            <a:endParaRPr lang="en-US" altLang="zh-CN" dirty="0"/>
+          </a:p>
+          <a:p>
+            <a:endParaRPr lang="en-US" altLang="zh-CN" dirty="0"/>
+          </a:p>
+          <a:p>
+            <a:pPr marL="0" indent="0">
+              <a:buNone/>
+            </a:pPr>
+            <a:endParaRPr lang="zh-CN" altLang="en-US" dirty="0"/>
+          </a:p>
+        </p:txBody>
+      </p:sp>
+      <p:sp>
+        <p:nvSpPr>
+          <p:cNvPr id="5" name="文本框 4">
+            <a:extLst>
+              <a:ext uri="{FF2B5EF4-FFF2-40B4-BE49-F238E27FC236}">
+                <a16:creationId xmlns:a16="http://schemas.microsoft.com/office/drawing/2014/main" id="{ABB46CE7-BFF9-0656-3959-D00117586C65}"/>
+              </a:ext>
+            </a:extLst>
+          </p:cNvPr>
+          <p:cNvSpPr txBox="1"/>
+          <p:nvPr/>
+        </p:nvSpPr>
+        <p:spPr>
+          <a:xfrm>
+            <a:off x="1333119" y="3246780"/>
+            <a:ext cx="9525762" cy="1938992"/>
+          </a:xfrm>
+          <a:prstGeom prst="rect">
+            <a:avLst/>
+          </a:prstGeom>
+          <a:solidFill>
+            <a:schemeClr val="tx1">
+              <a:lumMod val="85000"/>
+              <a:lumOff val="15000"/>
+            </a:schemeClr>
+          </a:solidFill>
+        </p:spPr>
+        <p:txBody>
+          <a:bodyPr wrap="square">
+            <a:spAutoFit/>
+          </a:bodyPr>
+          <a:lstStyle/>
+          <a:p>
+            <a:pPr marL="0" indent="0">
+              <a:buNone/>
+            </a:pPr>
+            <a:r>
+              <a:rPr lang="en-US" altLang="zh-CN" sz="2400" b="0" dirty="0">
+                <a:solidFill>
+                  <a:srgbClr val="569CD6"/>
+                </a:solidFill>
+                <a:effectLst/>
+                <a:latin typeface="Consolas" panose="020B0609020204030204" pitchFamily="49" charset="0"/>
+              </a:rPr>
+              <a:t>static</a:t>
+            </a:r>
+            <a:r>
+              <a:rPr lang="en-US" altLang="zh-CN" sz="2400" b="0" dirty="0">
+                <a:solidFill>
+                  <a:srgbClr val="D4D4D4"/>
+                </a:solidFill>
+                <a:effectLst/>
+                <a:latin typeface="Consolas" panose="020B0609020204030204" pitchFamily="49" charset="0"/>
+              </a:rPr>
+              <a:t> </a:t>
+            </a:r>
+            <a:r>
+              <a:rPr lang="en-US" altLang="zh-CN" sz="2400" b="0" dirty="0">
+                <a:solidFill>
+                  <a:srgbClr val="4EC9B0"/>
+                </a:solidFill>
+                <a:effectLst/>
+                <a:latin typeface="Consolas" panose="020B0609020204030204" pitchFamily="49" charset="0"/>
+              </a:rPr>
+              <a:t>std</a:t>
+            </a:r>
+            <a:r>
+              <a:rPr lang="en-US" altLang="zh-CN" sz="2400" b="0" dirty="0">
+                <a:solidFill>
+                  <a:srgbClr val="D4D4D4"/>
+                </a:solidFill>
+                <a:effectLst/>
+                <a:latin typeface="Consolas" panose="020B0609020204030204" pitchFamily="49" charset="0"/>
+              </a:rPr>
+              <a:t>::</a:t>
+            </a:r>
+            <a:r>
+              <a:rPr lang="en-US" altLang="zh-CN" sz="2400" b="0" dirty="0" err="1">
+                <a:solidFill>
+                  <a:srgbClr val="4EC9B0"/>
+                </a:solidFill>
+                <a:effectLst/>
+                <a:latin typeface="Consolas" panose="020B0609020204030204" pitchFamily="49" charset="0"/>
+              </a:rPr>
+              <a:t>shared_ptr</a:t>
+            </a:r>
+            <a:r>
+              <a:rPr lang="en-US" altLang="zh-CN" sz="2400" b="0" dirty="0">
+                <a:solidFill>
+                  <a:srgbClr val="D4D4D4"/>
+                </a:solidFill>
+                <a:effectLst/>
+                <a:latin typeface="Consolas" panose="020B0609020204030204" pitchFamily="49" charset="0"/>
+              </a:rPr>
+              <a:t>&lt;</a:t>
+            </a:r>
+            <a:r>
+              <a:rPr lang="en-US" altLang="zh-CN" sz="2400" b="0" dirty="0" err="1">
+                <a:solidFill>
+                  <a:srgbClr val="4EC9B0"/>
+                </a:solidFill>
+                <a:effectLst/>
+                <a:latin typeface="Consolas" panose="020B0609020204030204" pitchFamily="49" charset="0"/>
+              </a:rPr>
+              <a:t>runtime_instance</a:t>
+            </a:r>
+            <a:r>
+              <a:rPr lang="en-US" altLang="zh-CN" sz="2400" b="0" dirty="0">
+                <a:solidFill>
+                  <a:srgbClr val="D4D4D4"/>
+                </a:solidFill>
+                <a:effectLst/>
+                <a:latin typeface="Consolas" panose="020B0609020204030204" pitchFamily="49" charset="0"/>
+              </a:rPr>
+              <a:t>&gt; </a:t>
+            </a:r>
+            <a:r>
+              <a:rPr lang="en-US" altLang="zh-CN" sz="2400" b="0" dirty="0" err="1">
+                <a:solidFill>
+                  <a:srgbClr val="DCDCAA"/>
+                </a:solidFill>
+                <a:effectLst/>
+                <a:latin typeface="Consolas" panose="020B0609020204030204" pitchFamily="49" charset="0"/>
+              </a:rPr>
+              <a:t>create_runtime_instance</a:t>
+            </a:r>
+            <a:r>
+              <a:rPr lang="en-US" altLang="zh-CN" sz="2400" b="0" dirty="0">
+                <a:solidFill>
+                  <a:srgbClr val="D4D4D4"/>
+                </a:solidFill>
+                <a:effectLst/>
+                <a:latin typeface="Consolas" panose="020B0609020204030204" pitchFamily="49" charset="0"/>
+              </a:rPr>
+              <a:t>(</a:t>
+            </a:r>
+          </a:p>
+          <a:p>
+            <a:pPr marL="0" indent="0">
+              <a:buNone/>
+            </a:pPr>
+            <a:r>
+              <a:rPr lang="en-US" altLang="zh-CN" sz="2400" b="0" dirty="0">
+                <a:solidFill>
+                  <a:srgbClr val="D4D4D4"/>
+                </a:solidFill>
+                <a:effectLst/>
+                <a:latin typeface="Consolas" panose="020B0609020204030204" pitchFamily="49" charset="0"/>
+              </a:rPr>
+              <a:t>      </a:t>
+            </a:r>
+            <a:r>
+              <a:rPr lang="en-US" altLang="zh-CN" sz="2400" b="0" dirty="0">
+                <a:solidFill>
+                  <a:srgbClr val="569CD6"/>
+                </a:solidFill>
+                <a:effectLst/>
+                <a:latin typeface="Consolas" panose="020B0609020204030204" pitchFamily="49" charset="0"/>
+              </a:rPr>
+              <a:t>const</a:t>
+            </a:r>
+            <a:r>
+              <a:rPr lang="en-US" altLang="zh-CN" sz="2400" b="0" dirty="0">
+                <a:solidFill>
+                  <a:srgbClr val="D4D4D4"/>
+                </a:solidFill>
+                <a:effectLst/>
+                <a:latin typeface="Consolas" panose="020B0609020204030204" pitchFamily="49" charset="0"/>
+              </a:rPr>
+              <a:t> </a:t>
+            </a:r>
+            <a:r>
+              <a:rPr lang="en-US" altLang="zh-CN" sz="2400" b="0" dirty="0">
+                <a:solidFill>
+                  <a:srgbClr val="4EC9B0"/>
+                </a:solidFill>
+                <a:effectLst/>
+                <a:latin typeface="Consolas" panose="020B0609020204030204" pitchFamily="49" charset="0"/>
+              </a:rPr>
+              <a:t>std</a:t>
+            </a:r>
+            <a:r>
+              <a:rPr lang="en-US" altLang="zh-CN" sz="2400" b="0" dirty="0">
+                <a:solidFill>
+                  <a:srgbClr val="D4D4D4"/>
+                </a:solidFill>
+                <a:effectLst/>
+                <a:latin typeface="Consolas" panose="020B0609020204030204" pitchFamily="49" charset="0"/>
+              </a:rPr>
+              <a:t>::</a:t>
+            </a:r>
+            <a:r>
+              <a:rPr lang="en-US" altLang="zh-CN" sz="2400" b="0" dirty="0" err="1">
+                <a:solidFill>
+                  <a:srgbClr val="4EC9B0"/>
+                </a:solidFill>
+                <a:effectLst/>
+                <a:latin typeface="Consolas" panose="020B0609020204030204" pitchFamily="49" charset="0"/>
+              </a:rPr>
+              <a:t>shared_ptr</a:t>
+            </a:r>
+            <a:r>
+              <a:rPr lang="en-US" altLang="zh-CN" sz="2400" b="0" dirty="0">
+                <a:solidFill>
+                  <a:srgbClr val="D4D4D4"/>
+                </a:solidFill>
+                <a:effectLst/>
+                <a:latin typeface="Consolas" panose="020B0609020204030204" pitchFamily="49" charset="0"/>
+              </a:rPr>
+              <a:t>&lt;</a:t>
+            </a:r>
+            <a:r>
+              <a:rPr lang="en-US" altLang="zh-CN" sz="2400" b="0" dirty="0" err="1">
+                <a:solidFill>
+                  <a:srgbClr val="4EC9B0"/>
+                </a:solidFill>
+                <a:effectLst/>
+                <a:latin typeface="Consolas" panose="020B0609020204030204" pitchFamily="49" charset="0"/>
+              </a:rPr>
+              <a:t>symbol_definition</a:t>
+            </a:r>
+            <a:r>
+              <a:rPr lang="en-US" altLang="zh-CN" sz="2400" b="0" dirty="0">
+                <a:solidFill>
+                  <a:srgbClr val="D4D4D4"/>
+                </a:solidFill>
+                <a:effectLst/>
+                <a:latin typeface="Consolas" panose="020B0609020204030204" pitchFamily="49" charset="0"/>
+              </a:rPr>
+              <a:t>&gt; </a:t>
+            </a:r>
+            <a:r>
+              <a:rPr lang="en-US" altLang="zh-CN" sz="2400" b="0" dirty="0">
+                <a:solidFill>
+                  <a:srgbClr val="569CD6"/>
+                </a:solidFill>
+                <a:effectLst/>
+                <a:latin typeface="Consolas" panose="020B0609020204030204" pitchFamily="49" charset="0"/>
+              </a:rPr>
+              <a:t>&amp;</a:t>
+            </a:r>
+            <a:r>
+              <a:rPr lang="en-US" altLang="zh-CN" sz="2400" b="0" dirty="0">
+                <a:solidFill>
+                  <a:srgbClr val="9CDCFE"/>
+                </a:solidFill>
+                <a:effectLst/>
+                <a:latin typeface="Consolas" panose="020B0609020204030204" pitchFamily="49" charset="0"/>
+              </a:rPr>
+              <a:t>def</a:t>
+            </a:r>
+            <a:r>
+              <a:rPr lang="en-US" altLang="zh-CN" sz="2400" b="0" dirty="0">
+                <a:solidFill>
+                  <a:srgbClr val="D4D4D4"/>
+                </a:solidFill>
+                <a:effectLst/>
+                <a:latin typeface="Consolas" panose="020B0609020204030204" pitchFamily="49" charset="0"/>
+              </a:rPr>
+              <a:t>,</a:t>
+            </a:r>
+          </a:p>
+          <a:p>
+            <a:pPr marL="0" indent="0">
+              <a:buNone/>
+            </a:pPr>
+            <a:r>
+              <a:rPr lang="en-US" altLang="zh-CN" sz="2400" b="0" dirty="0">
+                <a:solidFill>
+                  <a:srgbClr val="D4D4D4"/>
+                </a:solidFill>
+                <a:effectLst/>
+                <a:latin typeface="Consolas" panose="020B0609020204030204" pitchFamily="49" charset="0"/>
+              </a:rPr>
+              <a:t>      </a:t>
+            </a:r>
+            <a:r>
+              <a:rPr lang="en-US" altLang="zh-CN" sz="2400" b="0" dirty="0">
+                <a:solidFill>
+                  <a:srgbClr val="569CD6"/>
+                </a:solidFill>
+                <a:effectLst/>
+                <a:latin typeface="Consolas" panose="020B0609020204030204" pitchFamily="49" charset="0"/>
+              </a:rPr>
+              <a:t>const</a:t>
+            </a:r>
+            <a:r>
+              <a:rPr lang="en-US" altLang="zh-CN" sz="2400" b="0" dirty="0">
+                <a:solidFill>
+                  <a:srgbClr val="D4D4D4"/>
+                </a:solidFill>
+                <a:effectLst/>
+                <a:latin typeface="Consolas" panose="020B0609020204030204" pitchFamily="49" charset="0"/>
+              </a:rPr>
+              <a:t> </a:t>
+            </a:r>
+            <a:r>
+              <a:rPr lang="en-US" altLang="zh-CN" sz="2400" b="0" dirty="0">
+                <a:solidFill>
+                  <a:srgbClr val="4EC9B0"/>
+                </a:solidFill>
+                <a:effectLst/>
+                <a:latin typeface="Consolas" panose="020B0609020204030204" pitchFamily="49" charset="0"/>
+              </a:rPr>
+              <a:t>std</a:t>
+            </a:r>
+            <a:r>
+              <a:rPr lang="en-US" altLang="zh-CN" sz="2400" b="0" dirty="0">
+                <a:solidFill>
+                  <a:srgbClr val="D4D4D4"/>
+                </a:solidFill>
+                <a:effectLst/>
+                <a:latin typeface="Consolas" panose="020B0609020204030204" pitchFamily="49" charset="0"/>
+              </a:rPr>
+              <a:t>::</a:t>
+            </a:r>
+            <a:r>
+              <a:rPr lang="en-US" altLang="zh-CN" sz="2400" b="0" dirty="0">
+                <a:solidFill>
+                  <a:srgbClr val="4EC9B0"/>
+                </a:solidFill>
+                <a:effectLst/>
+                <a:latin typeface="Consolas" panose="020B0609020204030204" pitchFamily="49" charset="0"/>
+              </a:rPr>
+              <a:t>map</a:t>
+            </a:r>
+            <a:r>
+              <a:rPr lang="en-US" altLang="zh-CN" sz="2400" b="0" dirty="0">
+                <a:solidFill>
+                  <a:srgbClr val="D4D4D4"/>
+                </a:solidFill>
+                <a:effectLst/>
+                <a:latin typeface="Consolas" panose="020B0609020204030204" pitchFamily="49" charset="0"/>
+              </a:rPr>
+              <a:t>&lt;</a:t>
+            </a:r>
+            <a:r>
+              <a:rPr lang="en-US" altLang="zh-CN" sz="2400" b="0" dirty="0">
+                <a:solidFill>
+                  <a:srgbClr val="4EC9B0"/>
+                </a:solidFill>
+                <a:effectLst/>
+                <a:latin typeface="Consolas" panose="020B0609020204030204" pitchFamily="49" charset="0"/>
+              </a:rPr>
+              <a:t>std</a:t>
+            </a:r>
+            <a:r>
+              <a:rPr lang="en-US" altLang="zh-CN" sz="2400" b="0" dirty="0">
+                <a:solidFill>
+                  <a:srgbClr val="D4D4D4"/>
+                </a:solidFill>
+                <a:effectLst/>
+                <a:latin typeface="Consolas" panose="020B0609020204030204" pitchFamily="49" charset="0"/>
+              </a:rPr>
+              <a:t>::</a:t>
+            </a:r>
+            <a:r>
+              <a:rPr lang="en-US" altLang="zh-CN" sz="2400" b="0" dirty="0">
+                <a:solidFill>
+                  <a:srgbClr val="4EC9B0"/>
+                </a:solidFill>
+                <a:effectLst/>
+                <a:latin typeface="Consolas" panose="020B0609020204030204" pitchFamily="49" charset="0"/>
+              </a:rPr>
+              <a:t>string</a:t>
+            </a:r>
+            <a:r>
+              <a:rPr lang="en-US" altLang="zh-CN" sz="2400" b="0" dirty="0">
+                <a:solidFill>
+                  <a:srgbClr val="D4D4D4"/>
+                </a:solidFill>
+                <a:effectLst/>
+                <a:latin typeface="Consolas" panose="020B0609020204030204" pitchFamily="49" charset="0"/>
+              </a:rPr>
+              <a:t>, </a:t>
+            </a:r>
+            <a:r>
+              <a:rPr lang="en-US" altLang="zh-CN" sz="2400" b="0" dirty="0">
+                <a:solidFill>
+                  <a:srgbClr val="4EC9B0"/>
+                </a:solidFill>
+                <a:effectLst/>
+                <a:latin typeface="Consolas" panose="020B0609020204030204" pitchFamily="49" charset="0"/>
+              </a:rPr>
+              <a:t>std</a:t>
+            </a:r>
+            <a:r>
+              <a:rPr lang="en-US" altLang="zh-CN" sz="2400" b="0" dirty="0">
+                <a:solidFill>
+                  <a:srgbClr val="D4D4D4"/>
+                </a:solidFill>
+                <a:effectLst/>
+                <a:latin typeface="Consolas" panose="020B0609020204030204" pitchFamily="49" charset="0"/>
+              </a:rPr>
+              <a:t>::</a:t>
+            </a:r>
+            <a:r>
+              <a:rPr lang="en-US" altLang="zh-CN" sz="2400" b="0" dirty="0" err="1">
+                <a:solidFill>
+                  <a:srgbClr val="4EC9B0"/>
+                </a:solidFill>
+                <a:effectLst/>
+                <a:latin typeface="Consolas" panose="020B0609020204030204" pitchFamily="49" charset="0"/>
+              </a:rPr>
+              <a:t>shared_ptr</a:t>
+            </a:r>
+            <a:r>
+              <a:rPr lang="en-US" altLang="zh-CN" sz="2400" b="0" dirty="0">
+                <a:solidFill>
+                  <a:srgbClr val="D4D4D4"/>
+                </a:solidFill>
+                <a:effectLst/>
+                <a:latin typeface="Consolas" panose="020B0609020204030204" pitchFamily="49" charset="0"/>
+              </a:rPr>
+              <a:t>&lt;</a:t>
+            </a:r>
+            <a:r>
+              <a:rPr lang="en-US" altLang="zh-CN" sz="2400" b="0" dirty="0" err="1">
+                <a:solidFill>
+                  <a:srgbClr val="4EC9B0"/>
+                </a:solidFill>
+                <a:effectLst/>
+                <a:latin typeface="Consolas" panose="020B0609020204030204" pitchFamily="49" charset="0"/>
+              </a:rPr>
+              <a:t>symbol_definition</a:t>
+            </a:r>
+            <a:r>
+              <a:rPr lang="en-US" altLang="zh-CN" sz="2400" b="0" dirty="0">
+                <a:solidFill>
+                  <a:srgbClr val="D4D4D4"/>
+                </a:solidFill>
+                <a:effectLst/>
+                <a:latin typeface="Consolas" panose="020B0609020204030204" pitchFamily="49" charset="0"/>
+              </a:rPr>
+              <a:t>&gt;&gt; </a:t>
+            </a:r>
+            <a:r>
+              <a:rPr lang="en-US" altLang="zh-CN" sz="2400" b="0" dirty="0">
+                <a:solidFill>
+                  <a:srgbClr val="569CD6"/>
+                </a:solidFill>
+                <a:effectLst/>
+                <a:latin typeface="Consolas" panose="020B0609020204030204" pitchFamily="49" charset="0"/>
+              </a:rPr>
+              <a:t>&amp;</a:t>
+            </a:r>
+            <a:r>
+              <a:rPr lang="en-US" altLang="zh-CN" sz="2400" b="0" dirty="0" err="1">
+                <a:solidFill>
+                  <a:srgbClr val="9CDCFE"/>
+                </a:solidFill>
+                <a:effectLst/>
+                <a:latin typeface="Consolas" panose="020B0609020204030204" pitchFamily="49" charset="0"/>
+              </a:rPr>
+              <a:t>def_map</a:t>
+            </a:r>
+            <a:r>
+              <a:rPr lang="en-US" altLang="zh-CN" sz="2400" b="0" dirty="0">
+                <a:solidFill>
+                  <a:srgbClr val="D4D4D4"/>
+                </a:solidFill>
+                <a:effectLst/>
+                <a:latin typeface="Consolas" panose="020B0609020204030204" pitchFamily="49" charset="0"/>
+              </a:rPr>
+              <a:t>);</a:t>
+            </a:r>
+          </a:p>
+        </p:txBody>
+      </p:sp>
+    </p:spTree>
+    <p:extLst>
+      <p:ext uri="{BB962C8B-B14F-4D97-AF65-F5344CB8AC3E}">
+        <p14:creationId xmlns:p14="http://schemas.microsoft.com/office/powerpoint/2010/main" val="151021973"/>
+      </p:ext>
+    </p:extLst>
+  </p:cSld>
+  <p:clrMapOvr>
+    <a:masterClrMapping/>
+  </p:clrMapOvr>
+</p:sld>
+</file>
+
+<file path=ppt/slides/slide12.xml><?xml version="1.0" encoding="utf-8"?>
+<p:sld xmlns:a="http://schemas.openxmlformats.org/drawingml/2006/main" xmlns:r="http://schemas.openxmlformats.org/officeDocument/2006/relationships" xmlns:p="http://schemas.openxmlformats.org/presentationml/2006/main">
+  <p:cSld>
+    <p:spTree>
+      <p:nvGrpSpPr>
+        <p:cNvPr id="1" name=""/>
+        <p:cNvGrpSpPr/>
+        <p:nvPr/>
+      </p:nvGrpSpPr>
+      <p:grpSpPr>
+        <a:xfrm>
+          <a:off x="0" y="0"/>
+          <a:ext cx="0" cy="0"/>
+          <a:chOff x="0" y="0"/>
+          <a:chExt cx="0" cy="0"/>
+        </a:xfrm>
+      </p:grpSpPr>
+      <p:sp>
+        <p:nvSpPr>
+          <p:cNvPr id="2" name="标题 1">
+            <a:extLst>
+              <a:ext uri="{FF2B5EF4-FFF2-40B4-BE49-F238E27FC236}">
                 <a16:creationId xmlns:a16="http://schemas.microsoft.com/office/drawing/2014/main" id="{E7B5717E-8CA6-CCD1-CC0C-EEAD681369E4}"/>
               </a:ext>
             </a:extLst>
@@ -6955,7 +7687,7 @@
           <a:p>
             <a:r>
               <a:rPr lang="en-US" altLang="zh-CN" b="1" dirty="0"/>
-              <a:t>3 </a:t>
+              <a:t>4 </a:t>
             </a:r>
             <a:r>
               <a:rPr lang="zh-CN" altLang="en-US" b="1" dirty="0"/>
@@ -7443,594 +8175,6 @@
     <p:extLst>
       <p:ext uri="{BB962C8B-B14F-4D97-AF65-F5344CB8AC3E}">
         <p14:creationId xmlns:p14="http://schemas.microsoft.com/office/powerpoint/2010/main" val="587171670"/>
-      </p:ext>
-    </p:extLst>
-  </p:cSld>
-  <p:clrMapOvr>
-    <a:masterClrMapping/>
-  </p:clrMapOvr>
-</p:sld>
-</file>
-
-<file path=ppt/slides/slide11.xml><?xml version="1.0" encoding="utf-8"?>
-<p:sld xmlns:a="http://schemas.openxmlformats.org/drawingml/2006/main" xmlns:r="http://schemas.openxmlformats.org/officeDocument/2006/relationships" xmlns:p="http://schemas.openxmlformats.org/presentationml/2006/main">
-  <p:cSld>
-    <p:spTree>
-      <p:nvGrpSpPr>
-        <p:cNvPr id="1" name=""/>
-        <p:cNvGrpSpPr/>
-        <p:nvPr/>
-      </p:nvGrpSpPr>
-      <p:grpSpPr>
-        <a:xfrm>
-          <a:off x="0" y="0"/>
-          <a:ext cx="0" cy="0"/>
-          <a:chOff x="0" y="0"/>
-          <a:chExt cx="0" cy="0"/>
-        </a:xfrm>
-      </p:grpSpPr>
-      <p:sp>
-        <p:nvSpPr>
-          <p:cNvPr id="2" name="标题 1">
-            <a:extLst>
-              <a:ext uri="{FF2B5EF4-FFF2-40B4-BE49-F238E27FC236}">
-                <a16:creationId xmlns:a16="http://schemas.microsoft.com/office/drawing/2014/main" id="{D07DD225-B844-0A20-5914-5786E1638736}"/>
-              </a:ext>
-            </a:extLst>
-          </p:cNvPr>
-          <p:cNvSpPr>
-            <a:spLocks noGrp="1"/>
-          </p:cNvSpPr>
-          <p:nvPr>
-            <p:ph type="title"/>
-          </p:nvPr>
-        </p:nvSpPr>
-        <p:spPr/>
-        <p:txBody>
-          <a:bodyPr/>
-          <a:lstStyle/>
-          <a:p>
-            <a:r>
-              <a:rPr lang="en-US" altLang="zh-CN" b="1" dirty="0"/>
-              <a:t>4 </a:t>
-            </a:r>
-            <a:r>
-              <a:rPr lang="zh-CN" altLang="en-US" b="1" dirty="0"/>
-              <a:t>演示</a:t>
-            </a:r>
-          </a:p>
-        </p:txBody>
-      </p:sp>
-      <p:sp>
-        <p:nvSpPr>
-          <p:cNvPr id="3" name="内容占位符 2">
-            <a:extLst>
-              <a:ext uri="{FF2B5EF4-FFF2-40B4-BE49-F238E27FC236}">
-                <a16:creationId xmlns:a16="http://schemas.microsoft.com/office/drawing/2014/main" id="{08776010-72EB-4967-3B32-B05B7C217DB3}"/>
-              </a:ext>
-            </a:extLst>
-          </p:cNvPr>
-          <p:cNvSpPr>
-            <a:spLocks noGrp="1"/>
-          </p:cNvSpPr>
-          <p:nvPr>
-            <p:ph idx="1"/>
-          </p:nvPr>
-        </p:nvSpPr>
-        <p:spPr>
-          <a:xfrm>
-            <a:off x="838200" y="1825625"/>
-            <a:ext cx="10515600" cy="1201039"/>
-          </a:xfrm>
-        </p:spPr>
-        <p:txBody>
-          <a:bodyPr/>
-          <a:lstStyle/>
-          <a:p>
-            <a:r>
-              <a:rPr lang="zh-CN" altLang="en-US" dirty="0"/>
-              <a:t>使用 </a:t>
-            </a:r>
-            <a:r>
-              <a:rPr lang="en-US" altLang="zh-CN" dirty="0" err="1"/>
-              <a:t>CMake</a:t>
-            </a:r>
-            <a:r>
-              <a:rPr lang="zh-CN" altLang="en-US" dirty="0"/>
-              <a:t> 构建</a:t>
-            </a:r>
-            <a:endParaRPr lang="en-US" altLang="zh-CN" dirty="0"/>
-          </a:p>
-        </p:txBody>
-      </p:sp>
-      <p:sp>
-        <p:nvSpPr>
-          <p:cNvPr id="5" name="文本框 4">
-            <a:extLst>
-              <a:ext uri="{FF2B5EF4-FFF2-40B4-BE49-F238E27FC236}">
-                <a16:creationId xmlns:a16="http://schemas.microsoft.com/office/drawing/2014/main" id="{BB4CE6BB-A3A9-0543-0D68-FEC76714350C}"/>
-              </a:ext>
-            </a:extLst>
-          </p:cNvPr>
-          <p:cNvSpPr txBox="1"/>
-          <p:nvPr/>
-        </p:nvSpPr>
-        <p:spPr>
-          <a:xfrm>
-            <a:off x="2891790" y="2617184"/>
-            <a:ext cx="6094476" cy="1477328"/>
-          </a:xfrm>
-          <a:prstGeom prst="rect">
-            <a:avLst/>
-          </a:prstGeom>
-          <a:solidFill>
-            <a:schemeClr val="tx1">
-              <a:lumMod val="85000"/>
-              <a:lumOff val="15000"/>
-            </a:schemeClr>
-          </a:solidFill>
-        </p:spPr>
-        <p:txBody>
-          <a:bodyPr wrap="square">
-            <a:spAutoFit/>
-          </a:bodyPr>
-          <a:lstStyle/>
-          <a:p>
-            <a:r>
-              <a:rPr lang="en-US" altLang="zh-CN" b="0" dirty="0" err="1">
-                <a:solidFill>
-                  <a:srgbClr val="D4D4D4"/>
-                </a:solidFill>
-                <a:effectLst/>
-                <a:latin typeface="Consolas" panose="020B0609020204030204" pitchFamily="49" charset="0"/>
-              </a:rPr>
-              <a:t>mkdir</a:t>
-            </a:r>
-            <a:r>
-              <a:rPr lang="en-US" altLang="zh-CN" b="0" dirty="0">
-                <a:solidFill>
-                  <a:srgbClr val="D4D4D4"/>
-                </a:solidFill>
-                <a:effectLst/>
-                <a:latin typeface="Consolas" panose="020B0609020204030204" pitchFamily="49" charset="0"/>
-              </a:rPr>
-              <a:t> build</a:t>
-            </a:r>
-          </a:p>
-          <a:p>
-            <a:r>
-              <a:rPr lang="en-US" altLang="zh-CN" b="0" dirty="0">
-                <a:solidFill>
-                  <a:srgbClr val="DCDCAA"/>
-                </a:solidFill>
-                <a:effectLst/>
-                <a:latin typeface="Consolas" panose="020B0609020204030204" pitchFamily="49" charset="0"/>
-              </a:rPr>
-              <a:t>cd</a:t>
-            </a:r>
-            <a:r>
-              <a:rPr lang="en-US" altLang="zh-CN" b="0" dirty="0">
-                <a:solidFill>
-                  <a:srgbClr val="D4D4D4"/>
-                </a:solidFill>
-                <a:effectLst/>
-                <a:latin typeface="Consolas" panose="020B0609020204030204" pitchFamily="49" charset="0"/>
-              </a:rPr>
-              <a:t> build</a:t>
-            </a:r>
-          </a:p>
-          <a:p>
-            <a:r>
-              <a:rPr lang="en-US" altLang="zh-CN" b="0" dirty="0" err="1">
-                <a:solidFill>
-                  <a:srgbClr val="D4D4D4"/>
-                </a:solidFill>
-                <a:effectLst/>
-                <a:latin typeface="Consolas" panose="020B0609020204030204" pitchFamily="49" charset="0"/>
-              </a:rPr>
-              <a:t>cmake</a:t>
-            </a:r>
-            <a:r>
-              <a:rPr lang="en-US" altLang="zh-CN" b="0" dirty="0">
-                <a:solidFill>
-                  <a:srgbClr val="D4D4D4"/>
-                </a:solidFill>
-                <a:effectLst/>
-                <a:latin typeface="Consolas" panose="020B0609020204030204" pitchFamily="49" charset="0"/>
-              </a:rPr>
-              <a:t> .. -G Ninja -DCONTRAS_USE_LOGGER=</a:t>
-            </a:r>
-            <a:r>
-              <a:rPr lang="en-US" altLang="zh-CN" b="0" dirty="0">
-                <a:solidFill>
-                  <a:srgbClr val="FF0000"/>
-                </a:solidFill>
-                <a:effectLst/>
-                <a:latin typeface="Consolas" panose="020B0609020204030204" pitchFamily="49" charset="0"/>
-              </a:rPr>
-              <a:t>true</a:t>
-            </a:r>
-          </a:p>
-          <a:p>
-            <a:r>
-              <a:rPr lang="en-US" altLang="zh-CN" b="0" dirty="0" err="1">
-                <a:solidFill>
-                  <a:srgbClr val="D4D4D4"/>
-                </a:solidFill>
-                <a:effectLst/>
-                <a:latin typeface="Consolas" panose="020B0609020204030204" pitchFamily="49" charset="0"/>
-              </a:rPr>
-              <a:t>cmake</a:t>
-            </a:r>
-            <a:r>
-              <a:rPr lang="en-US" altLang="zh-CN" b="0" dirty="0">
-                <a:solidFill>
-                  <a:srgbClr val="D4D4D4"/>
-                </a:solidFill>
-                <a:effectLst/>
-                <a:latin typeface="Consolas" panose="020B0609020204030204" pitchFamily="49" charset="0"/>
-              </a:rPr>
-              <a:t> --build </a:t>
-            </a:r>
-            <a:r>
-              <a:rPr lang="en-US" altLang="zh-CN" b="0" dirty="0">
-                <a:solidFill>
-                  <a:srgbClr val="DCDCAA"/>
-                </a:solidFill>
-                <a:effectLst/>
-                <a:latin typeface="Consolas" panose="020B0609020204030204" pitchFamily="49" charset="0"/>
-              </a:rPr>
-              <a:t>.</a:t>
-            </a:r>
-            <a:endParaRPr lang="en-US" altLang="zh-CN" b="0" dirty="0">
-              <a:solidFill>
-                <a:srgbClr val="D4D4D4"/>
-              </a:solidFill>
-              <a:effectLst/>
-              <a:latin typeface="Consolas" panose="020B0609020204030204" pitchFamily="49" charset="0"/>
-            </a:endParaRPr>
-          </a:p>
-          <a:p>
-            <a:r>
-              <a:rPr lang="en-US" altLang="zh-CN" b="0" dirty="0">
-                <a:solidFill>
-                  <a:srgbClr val="DCDCAA"/>
-                </a:solidFill>
-                <a:effectLst/>
-                <a:latin typeface="Consolas" panose="020B0609020204030204" pitchFamily="49" charset="0"/>
-              </a:rPr>
-              <a:t>cd</a:t>
-            </a:r>
-            <a:r>
-              <a:rPr lang="en-US" altLang="zh-CN" b="0" dirty="0">
-                <a:solidFill>
-                  <a:srgbClr val="D4D4D4"/>
-                </a:solidFill>
-                <a:effectLst/>
-                <a:latin typeface="Consolas" panose="020B0609020204030204" pitchFamily="49" charset="0"/>
-              </a:rPr>
-              <a:t> ../bin</a:t>
-            </a:r>
-          </a:p>
-        </p:txBody>
-      </p:sp>
-      <p:sp>
-        <p:nvSpPr>
-          <p:cNvPr id="6" name="文本框 5">
-            <a:extLst>
-              <a:ext uri="{FF2B5EF4-FFF2-40B4-BE49-F238E27FC236}">
-                <a16:creationId xmlns:a16="http://schemas.microsoft.com/office/drawing/2014/main" id="{98EE9CEF-935A-71EC-9C8D-20FCF60F3A28}"/>
-              </a:ext>
-            </a:extLst>
-          </p:cNvPr>
-          <p:cNvSpPr txBox="1"/>
-          <p:nvPr/>
-        </p:nvSpPr>
-        <p:spPr>
-          <a:xfrm>
-            <a:off x="2891790" y="4369784"/>
-            <a:ext cx="6094476" cy="1477328"/>
-          </a:xfrm>
-          <a:prstGeom prst="rect">
-            <a:avLst/>
-          </a:prstGeom>
-          <a:solidFill>
-            <a:schemeClr val="tx1">
-              <a:lumMod val="85000"/>
-              <a:lumOff val="15000"/>
-            </a:schemeClr>
-          </a:solidFill>
-        </p:spPr>
-        <p:txBody>
-          <a:bodyPr wrap="square">
-            <a:spAutoFit/>
-          </a:bodyPr>
-          <a:lstStyle/>
-          <a:p>
-            <a:r>
-              <a:rPr lang="en-US" altLang="zh-CN" b="0" dirty="0" err="1">
-                <a:solidFill>
-                  <a:srgbClr val="D4D4D4"/>
-                </a:solidFill>
-                <a:effectLst/>
-                <a:latin typeface="Consolas" panose="020B0609020204030204" pitchFamily="49" charset="0"/>
-              </a:rPr>
-              <a:t>mkdir</a:t>
-            </a:r>
-            <a:r>
-              <a:rPr lang="en-US" altLang="zh-CN" b="0" dirty="0">
-                <a:solidFill>
-                  <a:srgbClr val="D4D4D4"/>
-                </a:solidFill>
-                <a:effectLst/>
-                <a:latin typeface="Consolas" panose="020B0609020204030204" pitchFamily="49" charset="0"/>
-              </a:rPr>
-              <a:t> build</a:t>
-            </a:r>
-          </a:p>
-          <a:p>
-            <a:r>
-              <a:rPr lang="en-US" altLang="zh-CN" b="0" dirty="0">
-                <a:solidFill>
-                  <a:srgbClr val="DCDCAA"/>
-                </a:solidFill>
-                <a:effectLst/>
-                <a:latin typeface="Consolas" panose="020B0609020204030204" pitchFamily="49" charset="0"/>
-              </a:rPr>
-              <a:t>cd</a:t>
-            </a:r>
-            <a:r>
-              <a:rPr lang="en-US" altLang="zh-CN" b="0" dirty="0">
-                <a:solidFill>
-                  <a:srgbClr val="D4D4D4"/>
-                </a:solidFill>
-                <a:effectLst/>
-                <a:latin typeface="Consolas" panose="020B0609020204030204" pitchFamily="49" charset="0"/>
-              </a:rPr>
-              <a:t> build</a:t>
-            </a:r>
-          </a:p>
-          <a:p>
-            <a:r>
-              <a:rPr lang="en-US" altLang="zh-CN" b="0" dirty="0" err="1">
-                <a:solidFill>
-                  <a:srgbClr val="D4D4D4"/>
-                </a:solidFill>
-                <a:effectLst/>
-                <a:latin typeface="Consolas" panose="020B0609020204030204" pitchFamily="49" charset="0"/>
-              </a:rPr>
-              <a:t>cmake</a:t>
-            </a:r>
-            <a:r>
-              <a:rPr lang="en-US" altLang="zh-CN" b="0" dirty="0">
-                <a:solidFill>
-                  <a:srgbClr val="D4D4D4"/>
-                </a:solidFill>
-                <a:effectLst/>
-                <a:latin typeface="Consolas" panose="020B0609020204030204" pitchFamily="49" charset="0"/>
-              </a:rPr>
-              <a:t> .. -G Ninja -DCONTRAS_USE_LOGGER=</a:t>
-            </a:r>
-            <a:r>
-              <a:rPr lang="en-US" altLang="zh-CN" b="0" dirty="0">
-                <a:solidFill>
-                  <a:srgbClr val="FF0000"/>
-                </a:solidFill>
-                <a:effectLst/>
-                <a:latin typeface="Consolas" panose="020B0609020204030204" pitchFamily="49" charset="0"/>
-              </a:rPr>
-              <a:t>false</a:t>
-            </a:r>
-          </a:p>
-          <a:p>
-            <a:r>
-              <a:rPr lang="en-US" altLang="zh-CN" b="0" dirty="0" err="1">
-                <a:solidFill>
-                  <a:srgbClr val="D4D4D4"/>
-                </a:solidFill>
-                <a:effectLst/>
-                <a:latin typeface="Consolas" panose="020B0609020204030204" pitchFamily="49" charset="0"/>
-              </a:rPr>
-              <a:t>cmake</a:t>
-            </a:r>
-            <a:r>
-              <a:rPr lang="en-US" altLang="zh-CN" b="0" dirty="0">
-                <a:solidFill>
-                  <a:srgbClr val="D4D4D4"/>
-                </a:solidFill>
-                <a:effectLst/>
-                <a:latin typeface="Consolas" panose="020B0609020204030204" pitchFamily="49" charset="0"/>
-              </a:rPr>
-              <a:t> --build </a:t>
-            </a:r>
-            <a:r>
-              <a:rPr lang="en-US" altLang="zh-CN" b="0" dirty="0">
-                <a:solidFill>
-                  <a:srgbClr val="DCDCAA"/>
-                </a:solidFill>
-                <a:effectLst/>
-                <a:latin typeface="Consolas" panose="020B0609020204030204" pitchFamily="49" charset="0"/>
-              </a:rPr>
-              <a:t>.</a:t>
-            </a:r>
-            <a:endParaRPr lang="en-US" altLang="zh-CN" b="0" dirty="0">
-              <a:solidFill>
-                <a:srgbClr val="D4D4D4"/>
-              </a:solidFill>
-              <a:effectLst/>
-              <a:latin typeface="Consolas" panose="020B0609020204030204" pitchFamily="49" charset="0"/>
-            </a:endParaRPr>
-          </a:p>
-          <a:p>
-            <a:r>
-              <a:rPr lang="en-US" altLang="zh-CN" b="0" dirty="0">
-                <a:solidFill>
-                  <a:srgbClr val="DCDCAA"/>
-                </a:solidFill>
-                <a:effectLst/>
-                <a:latin typeface="Consolas" panose="020B0609020204030204" pitchFamily="49" charset="0"/>
-              </a:rPr>
-              <a:t>cd</a:t>
-            </a:r>
-            <a:r>
-              <a:rPr lang="en-US" altLang="zh-CN" b="0" dirty="0">
-                <a:solidFill>
-                  <a:srgbClr val="D4D4D4"/>
-                </a:solidFill>
-                <a:effectLst/>
-                <a:latin typeface="Consolas" panose="020B0609020204030204" pitchFamily="49" charset="0"/>
-              </a:rPr>
-              <a:t> ../bin</a:t>
-            </a:r>
-          </a:p>
-        </p:txBody>
-      </p:sp>
-    </p:spTree>
-    <p:extLst>
-      <p:ext uri="{BB962C8B-B14F-4D97-AF65-F5344CB8AC3E}">
-        <p14:creationId xmlns:p14="http://schemas.microsoft.com/office/powerpoint/2010/main" val="190898628"/>
-      </p:ext>
-    </p:extLst>
-  </p:cSld>
-  <p:clrMapOvr>
-    <a:masterClrMapping/>
-  </p:clrMapOvr>
-</p:sld>
-</file>
-
-<file path=ppt/slides/slide12.xml><?xml version="1.0" encoding="utf-8"?>
-<p:sld xmlns:a="http://schemas.openxmlformats.org/drawingml/2006/main" xmlns:r="http://schemas.openxmlformats.org/officeDocument/2006/relationships" xmlns:p="http://schemas.openxmlformats.org/presentationml/2006/main">
-  <p:cSld>
-    <p:spTree>
-      <p:nvGrpSpPr>
-        <p:cNvPr id="1" name=""/>
-        <p:cNvGrpSpPr/>
-        <p:nvPr/>
-      </p:nvGrpSpPr>
-      <p:grpSpPr>
-        <a:xfrm>
-          <a:off x="0" y="0"/>
-          <a:ext cx="0" cy="0"/>
-          <a:chOff x="0" y="0"/>
-          <a:chExt cx="0" cy="0"/>
-        </a:xfrm>
-      </p:grpSpPr>
-      <p:sp>
-        <p:nvSpPr>
-          <p:cNvPr id="2" name="标题 1">
-            <a:extLst>
-              <a:ext uri="{FF2B5EF4-FFF2-40B4-BE49-F238E27FC236}">
-                <a16:creationId xmlns:a16="http://schemas.microsoft.com/office/drawing/2014/main" id="{D07DD225-B844-0A20-5914-5786E1638736}"/>
-              </a:ext>
-            </a:extLst>
-          </p:cNvPr>
-          <p:cNvSpPr>
-            <a:spLocks noGrp="1"/>
-          </p:cNvSpPr>
-          <p:nvPr>
-            <p:ph type="title"/>
-          </p:nvPr>
-        </p:nvSpPr>
-        <p:spPr/>
-        <p:txBody>
-          <a:bodyPr/>
-          <a:lstStyle/>
-          <a:p>
-            <a:r>
-              <a:rPr lang="en-US" altLang="zh-CN" b="1" dirty="0"/>
-              <a:t>4 </a:t>
-            </a:r>
-            <a:r>
-              <a:rPr lang="zh-CN" altLang="en-US" b="1" dirty="0"/>
-              <a:t>演示</a:t>
-            </a:r>
-          </a:p>
-        </p:txBody>
-      </p:sp>
-      <p:sp>
-        <p:nvSpPr>
-          <p:cNvPr id="7" name="文本框 6">
-            <a:extLst>
-              <a:ext uri="{FF2B5EF4-FFF2-40B4-BE49-F238E27FC236}">
-                <a16:creationId xmlns:a16="http://schemas.microsoft.com/office/drawing/2014/main" id="{001B8905-98A9-964F-E5B2-E2D14DD6EBA5}"/>
-              </a:ext>
-            </a:extLst>
-          </p:cNvPr>
-          <p:cNvSpPr txBox="1"/>
-          <p:nvPr/>
-        </p:nvSpPr>
-        <p:spPr>
-          <a:xfrm>
-            <a:off x="2957322" y="2235136"/>
-            <a:ext cx="6094476" cy="923330"/>
-          </a:xfrm>
-          <a:prstGeom prst="rect">
-            <a:avLst/>
-          </a:prstGeom>
-          <a:solidFill>
-            <a:schemeClr val="tx1">
-              <a:lumMod val="85000"/>
-              <a:lumOff val="15000"/>
-            </a:schemeClr>
-          </a:solidFill>
-        </p:spPr>
-        <p:txBody>
-          <a:bodyPr wrap="square">
-            <a:spAutoFit/>
-          </a:bodyPr>
-          <a:lstStyle/>
-          <a:p>
-            <a:r>
-              <a:rPr lang="en-US" altLang="zh-CN" b="0" dirty="0">
-                <a:solidFill>
-                  <a:srgbClr val="DCDCAA"/>
-                </a:solidFill>
-                <a:effectLst/>
-                <a:latin typeface="Consolas" panose="020B0609020204030204" pitchFamily="49" charset="0"/>
-              </a:rPr>
-              <a:t>cd</a:t>
-            </a:r>
-            <a:r>
-              <a:rPr lang="en-US" altLang="zh-CN" b="0" dirty="0">
-                <a:solidFill>
-                  <a:srgbClr val="D4D4D4"/>
-                </a:solidFill>
-                <a:effectLst/>
-                <a:latin typeface="Consolas" panose="020B0609020204030204" pitchFamily="49" charset="0"/>
-              </a:rPr>
-              <a:t> bin</a:t>
-            </a:r>
-          </a:p>
-          <a:p>
-            <a:r>
-              <a:rPr lang="en-US" altLang="zh-CN" b="0" dirty="0">
-                <a:solidFill>
-                  <a:srgbClr val="D4D4D4"/>
-                </a:solidFill>
-                <a:effectLst/>
-                <a:latin typeface="Consolas" panose="020B0609020204030204" pitchFamily="49" charset="0"/>
-              </a:rPr>
-              <a:t>./contras And4.cdl test/And4.in test/And4.out</a:t>
-            </a:r>
-          </a:p>
-          <a:p>
-            <a:r>
-              <a:rPr lang="en-US" altLang="zh-CN" b="0" dirty="0">
-                <a:solidFill>
-                  <a:srgbClr val="D4D4D4"/>
-                </a:solidFill>
-                <a:effectLst/>
-                <a:latin typeface="Consolas" panose="020B0609020204030204" pitchFamily="49" charset="0"/>
-              </a:rPr>
-              <a:t>./contras Or4.cdl test/Or4.in test/Or4.out</a:t>
-            </a:r>
-          </a:p>
-        </p:txBody>
-      </p:sp>
-    </p:spTree>
-    <p:extLst>
-      <p:ext uri="{BB962C8B-B14F-4D97-AF65-F5344CB8AC3E}">
-        <p14:creationId xmlns:p14="http://schemas.microsoft.com/office/powerpoint/2010/main" val="4160755875"/>
       </p:ext>
     </p:extLst>
   </p:cSld>
@@ -8458,7 +8602,7 @@
                 <a:latin typeface="Consolas" panose="020B0609020204030204" pitchFamily="49" charset="0"/>
                 <a:ea typeface="微软雅黑" panose="020B0503020204020204" pitchFamily="34" charset="-122"/>
               </a:rPr>
-              <a:t>AND4.cdl</a:t>
+              <a:t>And4.cdl</a:t>
             </a:r>
           </a:p>
           <a:p>
@@ -8499,7 +8643,7 @@
                 <a:latin typeface="Consolas" panose="020B0609020204030204" pitchFamily="49" charset="0"/>
                 <a:ea typeface="微软雅黑" panose="020B0503020204020204" pitchFamily="34" charset="-122"/>
               </a:rPr>
-              <a:t>AND.cdl</a:t>
+              <a:t>And.cdl</a:t>
             </a:r>
             <a:r>
               <a:rPr lang="en-US" altLang="zh-CN" sz="2000" dirty="0">
@@ -8559,7 +8703,21 @@
                 <a:latin typeface="Consolas" panose="020B0609020204030204" pitchFamily="49" charset="0"/>
                 <a:ea typeface="微软雅黑" panose="020B0503020204020204" pitchFamily="34" charset="-122"/>
               </a:rPr>
-              <a:t>import AND from "AND"</a:t>
+              <a:t>import And from "</a:t>
+            </a:r>
+            <a:r>
+              <a:rPr lang="en-US" altLang="zh-CN" sz="2000" dirty="0" err="1">
+                <a:latin typeface="Consolas" panose="020B0609020204030204" pitchFamily="49" charset="0"/>
+                <a:ea typeface="微软雅黑" panose="020B0503020204020204" pitchFamily="34" charset="-122"/>
+              </a:rPr>
+              <a:t>And.cdl</a:t>
+            </a:r>
+            <a:r>
+              <a:rPr lang="en-US" altLang="zh-CN" sz="2000" dirty="0">
+                <a:latin typeface="Consolas" panose="020B0609020204030204" pitchFamily="49" charset="0"/>
+                <a:ea typeface="微软雅黑" panose="020B0503020204020204" pitchFamily="34" charset="-122"/>
+              </a:rPr>
+              <a:t>"</a:t>
             </a:r>
           </a:p>
           <a:p>
@@ -8583,7 +8741,7 @@
                 <a:latin typeface="Consolas" panose="020B0609020204030204" pitchFamily="49" charset="0"/>
                 <a:ea typeface="微软雅黑" panose="020B0503020204020204" pitchFamily="34" charset="-122"/>
               </a:rPr>
-              <a:t>NAME AND4</a:t>
+              <a:t>NAME And4</a:t>
             </a:r>
           </a:p>
           <a:p>
@@ -8648,7 +8806,7 @@
                 <a:latin typeface="Consolas" panose="020B0609020204030204" pitchFamily="49" charset="0"/>
                 <a:ea typeface="微软雅黑" panose="020B0503020204020204" pitchFamily="34" charset="-122"/>
               </a:rPr>
-              <a:t>AND AND1, AND2, AND3</a:t>
+              <a:t>SYMBOL And And1, And2, And3</a:t>
             </a:r>
           </a:p>
           <a:p>
@@ -8958,7 +9116,7 @@
                 <a:latin typeface="Consolas" panose="020B0609020204030204" pitchFamily="49" charset="0"/>
                 <a:ea typeface="微软雅黑" panose="020B0503020204020204" pitchFamily="34" charset="-122"/>
               </a:rPr>
-              <a:t>AND_1 </a:t>
+              <a:t>And </a:t>
             </a:r>
             <a:r>
               <a:rPr lang="zh-CN" altLang="en-US" sz="2000" dirty="0">
@@ -8992,7 +9150,7 @@
                 <a:latin typeface="Consolas" panose="020B0609020204030204" pitchFamily="49" charset="0"/>
                 <a:ea typeface="微软雅黑" panose="020B0503020204020204" pitchFamily="34" charset="-122"/>
               </a:rPr>
-              <a:t>AND1(a = a, b = b) =&gt; (out = ab)</a:t>
+              <a:t>And1(a = a, b = b) =&gt; (out = ab)</a:t>
             </a:r>
           </a:p>
           <a:p>
@@ -9005,12 +9163,11 @@
                 <a:latin typeface="Consolas" panose="020B0609020204030204" pitchFamily="49" charset="0"/>
                 <a:ea typeface="微软雅黑" panose="020B0503020204020204" pitchFamily="34" charset="-122"/>
               </a:rPr>
-              <a:t>AND2(a = c, b = d) =&gt; (out = cd)</a:t>
+              <a:t>And2(a = c, b = d) =&gt; (out = cd)</a:t>
             </a:r>
           </a:p>
           <a:p>
             <a:pPr marL="0" indent="0">
-              <a:buFont typeface="Arial" panose="020B0604020202020204" pitchFamily="34" charset="0"/>
               <a:buNone/>
             </a:pPr>
             <a:r>
@@ -9018,12 +9175,11 @@
                 <a:latin typeface="Consolas" panose="020B0609020204030204" pitchFamily="49" charset="0"/>
                 <a:ea typeface="微软雅黑" panose="020B0503020204020204" pitchFamily="34" charset="-122"/>
               </a:rPr>
-              <a:t>AND3(a = ab, b = cd) =&gt; (out = result)</a:t>
+              <a:t>And3(a = ab, b = cd) =&gt; (out = result)</a:t>
             </a:r>
           </a:p>
           <a:p>
             <a:pPr marL="0" indent="0">
-              <a:buFont typeface="Arial" panose="020B0604020202020204" pitchFamily="34" charset="0"/>
               <a:buNone/>
             </a:pPr>
             <a:r>
@@ -9074,7 +9230,7 @@
                 <a:latin typeface="Consolas" panose="020B0609020204030204" pitchFamily="49" charset="0"/>
                 <a:ea typeface="微软雅黑" panose="020B0503020204020204" pitchFamily="34" charset="-122"/>
               </a:rPr>
-              <a:t>out = result</a:t>
+              <a:t>OUTPUT out = result</a:t>
             </a:r>
           </a:p>
           <a:p>
@@ -9200,7 +9356,7 @@
                 <a:latin typeface="Consolas" panose="020B0609020204030204" pitchFamily="49" charset="0"/>
                 <a:ea typeface="微软雅黑" panose="020B0503020204020204" pitchFamily="34" charset="-122"/>
               </a:rPr>
-              <a:t>AND4.in</a:t>
+              <a:t>And4.in</a:t>
             </a:r>
             <a:endParaRPr lang="en-US" altLang="zh-CN" sz="2400" dirty="0">
               <a:latin typeface="Consolas" panose="020B0609020204030204" pitchFamily="49" charset="0"/>
@@ -9695,7 +9851,7 @@
                 <a:latin typeface="Consolas" panose="020B0609020204030204" pitchFamily="49" charset="0"/>
                 <a:ea typeface="微软雅黑" panose="020B0503020204020204" pitchFamily="34" charset="-122"/>
               </a:rPr>
-              <a:t>AND4.out</a:t>
+              <a:t>And4.out</a:t>
             </a:r>
             <a:endParaRPr lang="en-US" altLang="zh-CN" sz="2400" dirty="0">
               <a:latin typeface="Consolas" panose="020B0609020204030204" pitchFamily="49" charset="0"/>
@@ -10101,6 +10257,594 @@
           <p:cNvPr id="2" name="标题 1">
             <a:extLst>
               <a:ext uri="{FF2B5EF4-FFF2-40B4-BE49-F238E27FC236}">
+                <a16:creationId xmlns:a16="http://schemas.microsoft.com/office/drawing/2014/main" id="{D07DD225-B844-0A20-5914-5786E1638736}"/>
+              </a:ext>
+            </a:extLst>
+          </p:cNvPr>
+          <p:cNvSpPr>
+            <a:spLocks noGrp="1"/>
+          </p:cNvSpPr>
+          <p:nvPr>
+            <p:ph type="title"/>
+          </p:nvPr>
+        </p:nvSpPr>
+        <p:spPr/>
+        <p:txBody>
+          <a:bodyPr/>
+          <a:lstStyle/>
+          <a:p>
+            <a:r>
+              <a:rPr lang="en-US" altLang="zh-CN" b="1" dirty="0"/>
+              <a:t>3 </a:t>
+            </a:r>
+            <a:r>
+              <a:rPr lang="zh-CN" altLang="en-US" b="1" dirty="0"/>
+              <a:t>演示</a:t>
+            </a:r>
+          </a:p>
+        </p:txBody>
+      </p:sp>
+      <p:sp>
+        <p:nvSpPr>
+          <p:cNvPr id="3" name="内容占位符 2">
+            <a:extLst>
+              <a:ext uri="{FF2B5EF4-FFF2-40B4-BE49-F238E27FC236}">
+                <a16:creationId xmlns:a16="http://schemas.microsoft.com/office/drawing/2014/main" id="{08776010-72EB-4967-3B32-B05B7C217DB3}"/>
+              </a:ext>
+            </a:extLst>
+          </p:cNvPr>
+          <p:cNvSpPr>
+            <a:spLocks noGrp="1"/>
+          </p:cNvSpPr>
+          <p:nvPr>
+            <p:ph idx="1"/>
+          </p:nvPr>
+        </p:nvSpPr>
+        <p:spPr>
+          <a:xfrm>
+            <a:off x="838200" y="1825625"/>
+            <a:ext cx="10515600" cy="1201039"/>
+          </a:xfrm>
+        </p:spPr>
+        <p:txBody>
+          <a:bodyPr/>
+          <a:lstStyle/>
+          <a:p>
+            <a:r>
+              <a:rPr lang="zh-CN" altLang="en-US" dirty="0"/>
+              <a:t>使用 </a:t>
+            </a:r>
+            <a:r>
+              <a:rPr lang="en-US" altLang="zh-CN" dirty="0" err="1"/>
+              <a:t>CMake</a:t>
+            </a:r>
+            <a:r>
+              <a:rPr lang="zh-CN" altLang="en-US" dirty="0"/>
+              <a:t> 构建</a:t>
+            </a:r>
+            <a:endParaRPr lang="en-US" altLang="zh-CN" dirty="0"/>
+          </a:p>
+        </p:txBody>
+      </p:sp>
+      <p:sp>
+        <p:nvSpPr>
+          <p:cNvPr id="5" name="文本框 4">
+            <a:extLst>
+              <a:ext uri="{FF2B5EF4-FFF2-40B4-BE49-F238E27FC236}">
+                <a16:creationId xmlns:a16="http://schemas.microsoft.com/office/drawing/2014/main" id="{BB4CE6BB-A3A9-0543-0D68-FEC76714350C}"/>
+              </a:ext>
+            </a:extLst>
+          </p:cNvPr>
+          <p:cNvSpPr txBox="1"/>
+          <p:nvPr/>
+        </p:nvSpPr>
+        <p:spPr>
+          <a:xfrm>
+            <a:off x="2891790" y="2617184"/>
+            <a:ext cx="6094476" cy="1477328"/>
+          </a:xfrm>
+          <a:prstGeom prst="rect">
+            <a:avLst/>
+          </a:prstGeom>
+          <a:solidFill>
+            <a:schemeClr val="tx1">
+              <a:lumMod val="85000"/>
+              <a:lumOff val="15000"/>
+            </a:schemeClr>
+          </a:solidFill>
+        </p:spPr>
+        <p:txBody>
+          <a:bodyPr wrap="square">
+            <a:spAutoFit/>
+          </a:bodyPr>
+          <a:lstStyle/>
+          <a:p>
+            <a:r>
+              <a:rPr lang="en-US" altLang="zh-CN" b="0" dirty="0" err="1">
+                <a:solidFill>
+                  <a:srgbClr val="D4D4D4"/>
+                </a:solidFill>
+                <a:effectLst/>
+                <a:latin typeface="Consolas" panose="020B0609020204030204" pitchFamily="49" charset="0"/>
+              </a:rPr>
+              <a:t>mkdir</a:t>
+            </a:r>
+            <a:r>
+              <a:rPr lang="en-US" altLang="zh-CN" b="0" dirty="0">
+                <a:solidFill>
+                  <a:srgbClr val="D4D4D4"/>
+                </a:solidFill>
+                <a:effectLst/>
+                <a:latin typeface="Consolas" panose="020B0609020204030204" pitchFamily="49" charset="0"/>
+              </a:rPr>
+              <a:t> build</a:t>
+            </a:r>
+          </a:p>
+          <a:p>
+            <a:r>
+              <a:rPr lang="en-US" altLang="zh-CN" b="0" dirty="0">
+                <a:solidFill>
+                  <a:srgbClr val="DCDCAA"/>
+                </a:solidFill>
+                <a:effectLst/>
+                <a:latin typeface="Consolas" panose="020B0609020204030204" pitchFamily="49" charset="0"/>
+              </a:rPr>
+              <a:t>cd</a:t>
+            </a:r>
+            <a:r>
+              <a:rPr lang="en-US" altLang="zh-CN" b="0" dirty="0">
+                <a:solidFill>
+                  <a:srgbClr val="D4D4D4"/>
+                </a:solidFill>
+                <a:effectLst/>
+                <a:latin typeface="Consolas" panose="020B0609020204030204" pitchFamily="49" charset="0"/>
+              </a:rPr>
+              <a:t> build</a:t>
+            </a:r>
+          </a:p>
+          <a:p>
+            <a:r>
+              <a:rPr lang="en-US" altLang="zh-CN" b="0" dirty="0" err="1">
+                <a:solidFill>
+                  <a:srgbClr val="D4D4D4"/>
+                </a:solidFill>
+                <a:effectLst/>
+                <a:latin typeface="Consolas" panose="020B0609020204030204" pitchFamily="49" charset="0"/>
+              </a:rPr>
+              <a:t>cmake</a:t>
+            </a:r>
+            <a:r>
+              <a:rPr lang="en-US" altLang="zh-CN" b="0" dirty="0">
+                <a:solidFill>
+                  <a:srgbClr val="D4D4D4"/>
+                </a:solidFill>
+                <a:effectLst/>
+                <a:latin typeface="Consolas" panose="020B0609020204030204" pitchFamily="49" charset="0"/>
+              </a:rPr>
+              <a:t> .. -G Ninja -DCONTRAS_USE_LOGGER=</a:t>
+            </a:r>
+            <a:r>
+              <a:rPr lang="en-US" altLang="zh-CN" b="0" dirty="0">
+                <a:solidFill>
+                  <a:srgbClr val="FF0000"/>
+                </a:solidFill>
+                <a:effectLst/>
+                <a:latin typeface="Consolas" panose="020B0609020204030204" pitchFamily="49" charset="0"/>
+              </a:rPr>
+              <a:t>true</a:t>
+            </a:r>
+          </a:p>
+          <a:p>
+            <a:r>
+              <a:rPr lang="en-US" altLang="zh-CN" b="0" dirty="0" err="1">
+                <a:solidFill>
+                  <a:srgbClr val="D4D4D4"/>
+                </a:solidFill>
+                <a:effectLst/>
+                <a:latin typeface="Consolas" panose="020B0609020204030204" pitchFamily="49" charset="0"/>
+              </a:rPr>
+              <a:t>cmake</a:t>
+            </a:r>
+            <a:r>
+              <a:rPr lang="en-US" altLang="zh-CN" b="0" dirty="0">
+                <a:solidFill>
+                  <a:srgbClr val="D4D4D4"/>
+                </a:solidFill>
+                <a:effectLst/>
+                <a:latin typeface="Consolas" panose="020B0609020204030204" pitchFamily="49" charset="0"/>
+              </a:rPr>
+              <a:t> --build </a:t>
+            </a:r>
+            <a:r>
+              <a:rPr lang="en-US" altLang="zh-CN" b="0" dirty="0">
+                <a:solidFill>
+                  <a:srgbClr val="DCDCAA"/>
+                </a:solidFill>
+                <a:effectLst/>
+                <a:latin typeface="Consolas" panose="020B0609020204030204" pitchFamily="49" charset="0"/>
+              </a:rPr>
+              <a:t>.</a:t>
+            </a:r>
+            <a:endParaRPr lang="en-US" altLang="zh-CN" b="0" dirty="0">
+              <a:solidFill>
+                <a:srgbClr val="D4D4D4"/>
+              </a:solidFill>
+              <a:effectLst/>
+              <a:latin typeface="Consolas" panose="020B0609020204030204" pitchFamily="49" charset="0"/>
+            </a:endParaRPr>
+          </a:p>
+          <a:p>
+            <a:r>
+              <a:rPr lang="en-US" altLang="zh-CN" b="0" dirty="0">
+                <a:solidFill>
+                  <a:srgbClr val="DCDCAA"/>
+                </a:solidFill>
+                <a:effectLst/>
+                <a:latin typeface="Consolas" panose="020B0609020204030204" pitchFamily="49" charset="0"/>
+              </a:rPr>
+              <a:t>cd</a:t>
+            </a:r>
+            <a:r>
+              <a:rPr lang="en-US" altLang="zh-CN" b="0" dirty="0">
+                <a:solidFill>
+                  <a:srgbClr val="D4D4D4"/>
+                </a:solidFill>
+                <a:effectLst/>
+                <a:latin typeface="Consolas" panose="020B0609020204030204" pitchFamily="49" charset="0"/>
+              </a:rPr>
+              <a:t> ../bin</a:t>
+            </a:r>
+          </a:p>
+        </p:txBody>
+      </p:sp>
+      <p:sp>
+        <p:nvSpPr>
+          <p:cNvPr id="6" name="文本框 5">
+            <a:extLst>
+              <a:ext uri="{FF2B5EF4-FFF2-40B4-BE49-F238E27FC236}">
+                <a16:creationId xmlns:a16="http://schemas.microsoft.com/office/drawing/2014/main" id="{98EE9CEF-935A-71EC-9C8D-20FCF60F3A28}"/>
+              </a:ext>
+            </a:extLst>
+          </p:cNvPr>
+          <p:cNvSpPr txBox="1"/>
+          <p:nvPr/>
+        </p:nvSpPr>
+        <p:spPr>
+          <a:xfrm>
+            <a:off x="2891790" y="4369784"/>
+            <a:ext cx="6094476" cy="1477328"/>
+          </a:xfrm>
+          <a:prstGeom prst="rect">
+            <a:avLst/>
+          </a:prstGeom>
+          <a:solidFill>
+            <a:schemeClr val="tx1">
+              <a:lumMod val="85000"/>
+              <a:lumOff val="15000"/>
+            </a:schemeClr>
+          </a:solidFill>
+        </p:spPr>
+        <p:txBody>
+          <a:bodyPr wrap="square">
+            <a:spAutoFit/>
+          </a:bodyPr>
+          <a:lstStyle/>
+          <a:p>
+            <a:r>
+              <a:rPr lang="en-US" altLang="zh-CN" b="0" dirty="0" err="1">
+                <a:solidFill>
+                  <a:srgbClr val="D4D4D4"/>
+                </a:solidFill>
+                <a:effectLst/>
+                <a:latin typeface="Consolas" panose="020B0609020204030204" pitchFamily="49" charset="0"/>
+              </a:rPr>
+              <a:t>mkdir</a:t>
+            </a:r>
+            <a:r>
+              <a:rPr lang="en-US" altLang="zh-CN" b="0" dirty="0">
+                <a:solidFill>
+                  <a:srgbClr val="D4D4D4"/>
+                </a:solidFill>
+                <a:effectLst/>
+                <a:latin typeface="Consolas" panose="020B0609020204030204" pitchFamily="49" charset="0"/>
+              </a:rPr>
+              <a:t> build</a:t>
+            </a:r>
+          </a:p>
+          <a:p>
+            <a:r>
+              <a:rPr lang="en-US" altLang="zh-CN" b="0" dirty="0">
+                <a:solidFill>
+                  <a:srgbClr val="DCDCAA"/>
+                </a:solidFill>
+                <a:effectLst/>
+                <a:latin typeface="Consolas" panose="020B0609020204030204" pitchFamily="49" charset="0"/>
+              </a:rPr>
+              <a:t>cd</a:t>
+            </a:r>
+            <a:r>
+              <a:rPr lang="en-US" altLang="zh-CN" b="0" dirty="0">
+                <a:solidFill>
+                  <a:srgbClr val="D4D4D4"/>
+                </a:solidFill>
+                <a:effectLst/>
+                <a:latin typeface="Consolas" panose="020B0609020204030204" pitchFamily="49" charset="0"/>
+              </a:rPr>
+              <a:t> build</a:t>
+            </a:r>
+          </a:p>
+          <a:p>
+            <a:r>
+              <a:rPr lang="en-US" altLang="zh-CN" b="0" dirty="0" err="1">
+                <a:solidFill>
+                  <a:srgbClr val="D4D4D4"/>
+                </a:solidFill>
+                <a:effectLst/>
+                <a:latin typeface="Consolas" panose="020B0609020204030204" pitchFamily="49" charset="0"/>
+              </a:rPr>
+              <a:t>cmake</a:t>
+            </a:r>
+            <a:r>
+              <a:rPr lang="en-US" altLang="zh-CN" b="0" dirty="0">
+                <a:solidFill>
+                  <a:srgbClr val="D4D4D4"/>
+                </a:solidFill>
+                <a:effectLst/>
+                <a:latin typeface="Consolas" panose="020B0609020204030204" pitchFamily="49" charset="0"/>
+              </a:rPr>
+              <a:t> .. -G Ninja -DCONTRAS_USE_LOGGER=</a:t>
+            </a:r>
+            <a:r>
+              <a:rPr lang="en-US" altLang="zh-CN" b="0" dirty="0">
+                <a:solidFill>
+                  <a:srgbClr val="FF0000"/>
+                </a:solidFill>
+                <a:effectLst/>
+                <a:latin typeface="Consolas" panose="020B0609020204030204" pitchFamily="49" charset="0"/>
+              </a:rPr>
+              <a:t>false</a:t>
+            </a:r>
+          </a:p>
+          <a:p>
+            <a:r>
+              <a:rPr lang="en-US" altLang="zh-CN" b="0" dirty="0" err="1">
+                <a:solidFill>
+                  <a:srgbClr val="D4D4D4"/>
+                </a:solidFill>
+                <a:effectLst/>
+                <a:latin typeface="Consolas" panose="020B0609020204030204" pitchFamily="49" charset="0"/>
+              </a:rPr>
+              <a:t>cmake</a:t>
+            </a:r>
+            <a:r>
+              <a:rPr lang="en-US" altLang="zh-CN" b="0" dirty="0">
+                <a:solidFill>
+                  <a:srgbClr val="D4D4D4"/>
+                </a:solidFill>
+                <a:effectLst/>
+                <a:latin typeface="Consolas" panose="020B0609020204030204" pitchFamily="49" charset="0"/>
+              </a:rPr>
+              <a:t> --build </a:t>
+            </a:r>
+            <a:r>
+              <a:rPr lang="en-US" altLang="zh-CN" b="0" dirty="0">
+                <a:solidFill>
+                  <a:srgbClr val="DCDCAA"/>
+                </a:solidFill>
+                <a:effectLst/>
+                <a:latin typeface="Consolas" panose="020B0609020204030204" pitchFamily="49" charset="0"/>
+              </a:rPr>
+              <a:t>.</a:t>
+            </a:r>
+            <a:endParaRPr lang="en-US" altLang="zh-CN" b="0" dirty="0">
+              <a:solidFill>
+                <a:srgbClr val="D4D4D4"/>
+              </a:solidFill>
+              <a:effectLst/>
+              <a:latin typeface="Consolas" panose="020B0609020204030204" pitchFamily="49" charset="0"/>
+            </a:endParaRPr>
+          </a:p>
+          <a:p>
+            <a:r>
+              <a:rPr lang="en-US" altLang="zh-CN" b="0" dirty="0">
+                <a:solidFill>
+                  <a:srgbClr val="DCDCAA"/>
+                </a:solidFill>
+                <a:effectLst/>
+                <a:latin typeface="Consolas" panose="020B0609020204030204" pitchFamily="49" charset="0"/>
+              </a:rPr>
+              <a:t>cd</a:t>
+            </a:r>
+            <a:r>
+              <a:rPr lang="en-US" altLang="zh-CN" b="0" dirty="0">
+                <a:solidFill>
+                  <a:srgbClr val="D4D4D4"/>
+                </a:solidFill>
+                <a:effectLst/>
+                <a:latin typeface="Consolas" panose="020B0609020204030204" pitchFamily="49" charset="0"/>
+              </a:rPr>
+              <a:t> ../bin</a:t>
+            </a:r>
+          </a:p>
+        </p:txBody>
+      </p:sp>
+    </p:spTree>
+    <p:extLst>
+      <p:ext uri="{BB962C8B-B14F-4D97-AF65-F5344CB8AC3E}">
+        <p14:creationId xmlns:p14="http://schemas.microsoft.com/office/powerpoint/2010/main" val="190898628"/>
+      </p:ext>
+    </p:extLst>
+  </p:cSld>
+  <p:clrMapOvr>
+    <a:masterClrMapping/>
+  </p:clrMapOvr>
+</p:sld>
+</file>
+
+<file path=ppt/slides/slide7.xml><?xml version="1.0" encoding="utf-8"?>
+<p:sld xmlns:a="http://schemas.openxmlformats.org/drawingml/2006/main" xmlns:r="http://schemas.openxmlformats.org/officeDocument/2006/relationships" xmlns:p="http://schemas.openxmlformats.org/presentationml/2006/main">
+  <p:cSld>
+    <p:spTree>
+      <p:nvGrpSpPr>
+        <p:cNvPr id="1" name=""/>
+        <p:cNvGrpSpPr/>
+        <p:nvPr/>
+      </p:nvGrpSpPr>
+      <p:grpSpPr>
+        <a:xfrm>
+          <a:off x="0" y="0"/>
+          <a:ext cx="0" cy="0"/>
+          <a:chOff x="0" y="0"/>
+          <a:chExt cx="0" cy="0"/>
+        </a:xfrm>
+      </p:grpSpPr>
+      <p:sp>
+        <p:nvSpPr>
+          <p:cNvPr id="2" name="标题 1">
+            <a:extLst>
+              <a:ext uri="{FF2B5EF4-FFF2-40B4-BE49-F238E27FC236}">
+                <a16:creationId xmlns:a16="http://schemas.microsoft.com/office/drawing/2014/main" id="{D07DD225-B844-0A20-5914-5786E1638736}"/>
+              </a:ext>
+            </a:extLst>
+          </p:cNvPr>
+          <p:cNvSpPr>
+            <a:spLocks noGrp="1"/>
+          </p:cNvSpPr>
+          <p:nvPr>
+            <p:ph type="title"/>
+          </p:nvPr>
+        </p:nvSpPr>
+        <p:spPr/>
+        <p:txBody>
+          <a:bodyPr/>
+          <a:lstStyle/>
+          <a:p>
+            <a:r>
+              <a:rPr lang="en-US" altLang="zh-CN" b="1" dirty="0"/>
+              <a:t>3 </a:t>
+            </a:r>
+            <a:r>
+              <a:rPr lang="zh-CN" altLang="en-US" b="1" dirty="0"/>
+              <a:t>演示</a:t>
+            </a:r>
+          </a:p>
+        </p:txBody>
+      </p:sp>
+      <p:sp>
+        <p:nvSpPr>
+          <p:cNvPr id="7" name="文本框 6">
+            <a:extLst>
+              <a:ext uri="{FF2B5EF4-FFF2-40B4-BE49-F238E27FC236}">
+                <a16:creationId xmlns:a16="http://schemas.microsoft.com/office/drawing/2014/main" id="{001B8905-98A9-964F-E5B2-E2D14DD6EBA5}"/>
+              </a:ext>
+            </a:extLst>
+          </p:cNvPr>
+          <p:cNvSpPr txBox="1"/>
+          <p:nvPr/>
+        </p:nvSpPr>
+        <p:spPr>
+          <a:xfrm>
+            <a:off x="2957322" y="2235136"/>
+            <a:ext cx="6094476" cy="923330"/>
+          </a:xfrm>
+          <a:prstGeom prst="rect">
+            <a:avLst/>
+          </a:prstGeom>
+          <a:solidFill>
+            <a:schemeClr val="tx1">
+              <a:lumMod val="85000"/>
+              <a:lumOff val="15000"/>
+            </a:schemeClr>
+          </a:solidFill>
+        </p:spPr>
+        <p:txBody>
+          <a:bodyPr wrap="square">
+            <a:spAutoFit/>
+          </a:bodyPr>
+          <a:lstStyle/>
+          <a:p>
+            <a:r>
+              <a:rPr lang="en-US" altLang="zh-CN" b="0" dirty="0">
+                <a:solidFill>
+                  <a:srgbClr val="DCDCAA"/>
+                </a:solidFill>
+                <a:effectLst/>
+                <a:latin typeface="Consolas" panose="020B0609020204030204" pitchFamily="49" charset="0"/>
+              </a:rPr>
+              <a:t>cd</a:t>
+            </a:r>
+            <a:r>
+              <a:rPr lang="en-US" altLang="zh-CN" b="0" dirty="0">
+                <a:solidFill>
+                  <a:srgbClr val="D4D4D4"/>
+                </a:solidFill>
+                <a:effectLst/>
+                <a:latin typeface="Consolas" panose="020B0609020204030204" pitchFamily="49" charset="0"/>
+              </a:rPr>
+              <a:t> bin</a:t>
+            </a:r>
+          </a:p>
+          <a:p>
+            <a:r>
+              <a:rPr lang="en-US" altLang="zh-CN" b="0" dirty="0">
+                <a:solidFill>
+                  <a:srgbClr val="D4D4D4"/>
+                </a:solidFill>
+                <a:effectLst/>
+                <a:latin typeface="Consolas" panose="020B0609020204030204" pitchFamily="49" charset="0"/>
+              </a:rPr>
+              <a:t>./contras And4.cdl test/And4.in test/And4.out</a:t>
+            </a:r>
+          </a:p>
+          <a:p>
+            <a:r>
+              <a:rPr lang="en-US" altLang="zh-CN" b="0" dirty="0">
+                <a:solidFill>
+                  <a:srgbClr val="D4D4D4"/>
+                </a:solidFill>
+                <a:effectLst/>
+                <a:latin typeface="Consolas" panose="020B0609020204030204" pitchFamily="49" charset="0"/>
+              </a:rPr>
+              <a:t>./contras Or4.cdl test/Or4.in test/Or4.out</a:t>
+            </a:r>
+          </a:p>
+        </p:txBody>
+      </p:sp>
+    </p:spTree>
+    <p:extLst>
+      <p:ext uri="{BB962C8B-B14F-4D97-AF65-F5344CB8AC3E}">
+        <p14:creationId xmlns:p14="http://schemas.microsoft.com/office/powerpoint/2010/main" val="4160755875"/>
+      </p:ext>
+    </p:extLst>
+  </p:cSld>
+  <p:clrMapOvr>
+    <a:masterClrMapping/>
+  </p:clrMapOvr>
+</p:sld>
+</file>
+
+<file path=ppt/slides/slide8.xml><?xml version="1.0" encoding="utf-8"?>
+<p:sld xmlns:a="http://schemas.openxmlformats.org/drawingml/2006/main" xmlns:r="http://schemas.openxmlformats.org/officeDocument/2006/relationships" xmlns:p="http://schemas.openxmlformats.org/presentationml/2006/main">
+  <p:cSld>
+    <p:spTree>
+      <p:nvGrpSpPr>
+        <p:cNvPr id="1" name=""/>
+        <p:cNvGrpSpPr/>
+        <p:nvPr/>
+      </p:nvGrpSpPr>
+      <p:grpSpPr>
+        <a:xfrm>
+          <a:off x="0" y="0"/>
+          <a:ext cx="0" cy="0"/>
+          <a:chOff x="0" y="0"/>
+          <a:chExt cx="0" cy="0"/>
+        </a:xfrm>
+      </p:grpSpPr>
+      <p:sp>
+        <p:nvSpPr>
+          <p:cNvPr id="2" name="标题 1">
+            <a:extLst>
+              <a:ext uri="{FF2B5EF4-FFF2-40B4-BE49-F238E27FC236}">
                 <a16:creationId xmlns:a16="http://schemas.microsoft.com/office/drawing/2014/main" id="{F72EBEE3-F1ED-609D-412A-F956DD458B11}"/>
               </a:ext>
             </a:extLst>
@@ -10119,7 +10863,7 @@
           <a:p>
             <a:r>
               <a:rPr lang="en-US" altLang="zh-CN" b="1" dirty="0"/>
-              <a:t>3 </a:t>
+              <a:t>4 </a:t>
             </a:r>
             <a:r>
               <a:rPr lang="zh-CN" altLang="en-US" b="1" dirty="0"/>
@@ -10246,7 +10990,7 @@
 </p:sld>
 </file>
 
-<file path=ppt/slides/slide7.xml><?xml version="1.0" encoding="utf-8"?>
+<file path=ppt/slides/slide9.xml><?xml version="1.0" encoding="utf-8"?>
 <p:sld xmlns:a="http://schemas.openxmlformats.org/drawingml/2006/main" xmlns:r="http://schemas.openxmlformats.org/officeDocument/2006/relationships" xmlns:p="http://schemas.openxmlformats.org/presentationml/2006/main">
   <p:cSld>
     <p:spTree>
@@ -10286,7 +11030,7 @@
           <a:p>
             <a:r>
               <a:rPr lang="en-US" altLang="zh-CN" b="1" dirty="0"/>
-              <a:t>3 </a:t>
+              <a:t>4 </a:t>
             </a:r>
             <a:r>
               <a:rPr lang="zh-CN" altLang="en-US" b="1" dirty="0"/>
@@ -10348,7 +11092,7 @@
         </p:nvSpPr>
         <p:spPr>
           <a:xfrm>
-            <a:off x="7324344" y="1889633"/>
+            <a:off x="7150608" y="1857629"/>
             <a:ext cx="2459736" cy="1146175"/>
           </a:xfrm>
           <a:prstGeom prst="borderCallout1">
@@ -10464,738 +11208,6 @@
     <p:extLst>
       <p:ext uri="{BB962C8B-B14F-4D97-AF65-F5344CB8AC3E}">
         <p14:creationId xmlns:p14="http://schemas.microsoft.com/office/powerpoint/2010/main" val="832264601"/>
-      </p:ext>
-    </p:extLst>
-  </p:cSld>
-  <p:clrMapOvr>
-    <a:masterClrMapping/>
-  </p:clrMapOvr>
-</p:sld>
-</file>
-
-<file path=ppt/slides/slide8.xml><?xml version="1.0" encoding="utf-8"?>
-<p:sld xmlns:a="http://schemas.openxmlformats.org/drawingml/2006/main" xmlns:r="http://schemas.openxmlformats.org/officeDocument/2006/relationships" xmlns:p="http://schemas.openxmlformats.org/presentationml/2006/main">
-  <p:cSld>
-    <p:spTree>
-      <p:nvGrpSpPr>
-        <p:cNvPr id="1" name=""/>
-        <p:cNvGrpSpPr/>
-        <p:nvPr/>
-      </p:nvGrpSpPr>
-      <p:grpSpPr>
-        <a:xfrm>
-          <a:off x="0" y="0"/>
-          <a:ext cx="0" cy="0"/>
-          <a:chOff x="0" y="0"/>
-          <a:chExt cx="0" cy="0"/>
-        </a:xfrm>
-      </p:grpSpPr>
-      <p:sp>
-        <p:nvSpPr>
-          <p:cNvPr id="2" name="标题 1">
-            <a:extLst>
-              <a:ext uri="{FF2B5EF4-FFF2-40B4-BE49-F238E27FC236}">
-                <a16:creationId xmlns:a16="http://schemas.microsoft.com/office/drawing/2014/main" id="{CEA1E1C3-8639-5392-F29C-9399A8CDEF40}"/>
-              </a:ext>
-            </a:extLst>
-          </p:cNvPr>
-          <p:cNvSpPr>
-            <a:spLocks noGrp="1"/>
-          </p:cNvSpPr>
-          <p:nvPr>
-            <p:ph type="title"/>
-          </p:nvPr>
-        </p:nvSpPr>
-        <p:spPr/>
-        <p:txBody>
-          <a:bodyPr/>
-          <a:lstStyle/>
-          <a:p>
-            <a:r>
-              <a:rPr lang="en-US" altLang="zh-CN" b="1" dirty="0"/>
-              <a:t>3 </a:t>
-            </a:r>
-            <a:r>
-              <a:rPr lang="zh-CN" altLang="en-US" b="1" dirty="0"/>
-              <a:t>设计思路 </a:t>
-            </a:r>
-            <a:r>
-              <a:rPr lang="en-US" altLang="zh-CN" b="1" dirty="0"/>
-              <a:t>– Symbol Definition</a:t>
-            </a:r>
-            <a:endParaRPr lang="zh-CN" altLang="en-US" b="1" dirty="0"/>
-          </a:p>
-        </p:txBody>
-      </p:sp>
-      <p:sp>
-        <p:nvSpPr>
-          <p:cNvPr id="3" name="内容占位符 2">
-            <a:extLst>
-              <a:ext uri="{FF2B5EF4-FFF2-40B4-BE49-F238E27FC236}">
-                <a16:creationId xmlns:a16="http://schemas.microsoft.com/office/drawing/2014/main" id="{382A85AD-F9AF-3FE2-48C5-58504FE830A5}"/>
-              </a:ext>
-            </a:extLst>
-          </p:cNvPr>
-          <p:cNvSpPr>
-            <a:spLocks noGrp="1"/>
-          </p:cNvSpPr>
-          <p:nvPr>
-            <p:ph idx="1"/>
-          </p:nvPr>
-        </p:nvSpPr>
-        <p:spPr/>
-        <p:txBody>
-          <a:bodyPr/>
-          <a:lstStyle/>
-          <a:p>
-            <a:pPr marL="0" indent="0">
-              <a:buNone/>
-            </a:pPr>
-            <a:r>
-              <a:rPr lang="en-US" altLang="zh-CN" dirty="0"/>
-              <a:t>CDL </a:t>
-            </a:r>
-            <a:r>
-              <a:rPr lang="zh-CN" altLang="en-US" dirty="0"/>
-              <a:t>导入结构：有向无环图（</a:t>
-            </a:r>
-            <a:r>
-              <a:rPr lang="en-US" altLang="zh-CN" dirty="0"/>
-              <a:t>DAG</a:t>
-            </a:r>
-            <a:r>
-              <a:rPr lang="zh-CN" altLang="en-US" dirty="0"/>
-              <a:t>）</a:t>
-            </a:r>
-            <a:endParaRPr lang="en-US" altLang="zh-CN" dirty="0"/>
-          </a:p>
-          <a:p>
-            <a:pPr marL="0" indent="0">
-              <a:buNone/>
-            </a:pPr>
-            <a:r>
-              <a:rPr lang="zh-CN" altLang="en-US" dirty="0">
-                <a:solidFill>
-                  <a:srgbClr val="FF0000"/>
-                </a:solidFill>
-              </a:rPr>
-              <a:t>拓扑排序</a:t>
-            </a:r>
-          </a:p>
-        </p:txBody>
-      </p:sp>
-    </p:spTree>
-    <p:extLst>
-      <p:ext uri="{BB962C8B-B14F-4D97-AF65-F5344CB8AC3E}">
-        <p14:creationId xmlns:p14="http://schemas.microsoft.com/office/powerpoint/2010/main" val="617855835"/>
-      </p:ext>
-    </p:extLst>
-  </p:cSld>
-  <p:clrMapOvr>
-    <a:masterClrMapping/>
-  </p:clrMapOvr>
-</p:sld>
-</file>
-
-<file path=ppt/slides/slide9.xml><?xml version="1.0" encoding="utf-8"?>
-<p:sld xmlns:a="http://schemas.openxmlformats.org/drawingml/2006/main" xmlns:r="http://schemas.openxmlformats.org/officeDocument/2006/relationships" xmlns:p="http://schemas.openxmlformats.org/presentationml/2006/main">
-  <p:cSld>
-    <p:spTree>
-      <p:nvGrpSpPr>
-        <p:cNvPr id="1" name=""/>
-        <p:cNvGrpSpPr/>
-        <p:nvPr/>
-      </p:nvGrpSpPr>
-      <p:grpSpPr>
-        <a:xfrm>
-          <a:off x="0" y="0"/>
-          <a:ext cx="0" cy="0"/>
-          <a:chOff x="0" y="0"/>
-          <a:chExt cx="0" cy="0"/>
-        </a:xfrm>
-      </p:grpSpPr>
-      <p:sp>
-        <p:nvSpPr>
-          <p:cNvPr id="2" name="标题 1">
-            <a:extLst>
-              <a:ext uri="{FF2B5EF4-FFF2-40B4-BE49-F238E27FC236}">
-                <a16:creationId xmlns:a16="http://schemas.microsoft.com/office/drawing/2014/main" id="{3B3458D8-96AD-205A-DC95-70892B502F89}"/>
-              </a:ext>
-            </a:extLst>
-          </p:cNvPr>
-          <p:cNvSpPr>
-            <a:spLocks noGrp="1"/>
-          </p:cNvSpPr>
-          <p:nvPr>
-            <p:ph type="title"/>
-          </p:nvPr>
-        </p:nvSpPr>
-        <p:spPr/>
-        <p:txBody>
-          <a:bodyPr/>
-          <a:lstStyle/>
-          <a:p>
-            <a:r>
-              <a:rPr lang="en-US" altLang="zh-CN" b="1" dirty="0"/>
-              <a:t>3 </a:t>
-            </a:r>
-            <a:r>
-              <a:rPr lang="zh-CN" altLang="en-US" b="1" dirty="0"/>
-              <a:t>设计思路 </a:t>
-            </a:r>
-            <a:r>
-              <a:rPr lang="en-US" altLang="zh-CN" b="1" dirty="0"/>
-              <a:t>– Runtime Instance</a:t>
-            </a:r>
-            <a:endParaRPr lang="zh-CN" altLang="en-US" b="1" dirty="0"/>
-          </a:p>
-        </p:txBody>
-      </p:sp>
-      <p:sp>
-        <p:nvSpPr>
-          <p:cNvPr id="3" name="内容占位符 2">
-            <a:extLst>
-              <a:ext uri="{FF2B5EF4-FFF2-40B4-BE49-F238E27FC236}">
-                <a16:creationId xmlns:a16="http://schemas.microsoft.com/office/drawing/2014/main" id="{FCC8AB38-1E3C-247A-0363-30C684EC31B3}"/>
-              </a:ext>
-            </a:extLst>
-          </p:cNvPr>
-          <p:cNvSpPr>
-            <a:spLocks noGrp="1"/>
-          </p:cNvSpPr>
-          <p:nvPr>
-            <p:ph idx="1"/>
-          </p:nvPr>
-        </p:nvSpPr>
-        <p:spPr/>
-        <p:txBody>
-          <a:bodyPr/>
-          <a:lstStyle/>
-          <a:p>
-            <a:r>
-              <a:rPr lang="zh-CN" altLang="en-US" dirty="0"/>
-              <a:t>使用 </a:t>
-            </a:r>
-            <a:r>
-              <a:rPr lang="en-US" altLang="zh-CN" dirty="0">
-                <a:latin typeface="Consolas" panose="020B0609020204030204" pitchFamily="49" charset="0"/>
-              </a:rPr>
-              <a:t>std::map </a:t>
-            </a:r>
-            <a:r>
-              <a:rPr lang="zh-CN" altLang="en-US" dirty="0"/>
-              <a:t>构建</a:t>
-            </a:r>
-            <a:r>
-              <a:rPr lang="zh-CN" altLang="en-US" dirty="0">
-                <a:solidFill>
-                  <a:srgbClr val="FF0000"/>
-                </a:solidFill>
-              </a:rPr>
-              <a:t>元件名</a:t>
-            </a:r>
-            <a:r>
-              <a:rPr lang="zh-CN" altLang="en-US" dirty="0"/>
-              <a:t>与 </a:t>
-            </a:r>
-            <a:r>
-              <a:rPr lang="en-US" altLang="zh-CN" dirty="0">
-                <a:solidFill>
-                  <a:srgbClr val="FF0000"/>
-                </a:solidFill>
-              </a:rPr>
-              <a:t>Symbol Definition </a:t>
-            </a:r>
-            <a:r>
-              <a:rPr lang="zh-CN" altLang="en-US" dirty="0"/>
-              <a:t>的映射</a:t>
-            </a:r>
-            <a:endParaRPr lang="en-US" altLang="zh-CN" dirty="0"/>
-          </a:p>
-          <a:p>
-            <a:endParaRPr lang="en-US" altLang="zh-CN" dirty="0"/>
-          </a:p>
-          <a:p>
-            <a:pPr marL="0" indent="0">
-              <a:buNone/>
-            </a:pPr>
-            <a:endParaRPr lang="zh-CN" altLang="en-US" dirty="0"/>
-          </a:p>
-        </p:txBody>
-      </p:sp>
-      <p:sp>
-        <p:nvSpPr>
-          <p:cNvPr id="5" name="文本框 4">
-            <a:extLst>
-              <a:ext uri="{FF2B5EF4-FFF2-40B4-BE49-F238E27FC236}">
-                <a16:creationId xmlns:a16="http://schemas.microsoft.com/office/drawing/2014/main" id="{ABB46CE7-BFF9-0656-3959-D00117586C65}"/>
-              </a:ext>
-            </a:extLst>
-          </p:cNvPr>
-          <p:cNvSpPr txBox="1"/>
-          <p:nvPr/>
-        </p:nvSpPr>
-        <p:spPr>
-          <a:xfrm>
-            <a:off x="1333119" y="3246780"/>
-            <a:ext cx="9525762" cy="1938992"/>
-          </a:xfrm>
-          <a:prstGeom prst="rect">
-            <a:avLst/>
-          </a:prstGeom>
-          <a:solidFill>
-            <a:schemeClr val="tx1">
-              <a:lumMod val="85000"/>
-              <a:lumOff val="15000"/>
-            </a:schemeClr>
-          </a:solidFill>
-        </p:spPr>
-        <p:txBody>
-          <a:bodyPr wrap="square">
-            <a:spAutoFit/>
-          </a:bodyPr>
-          <a:lstStyle/>
-          <a:p>
-            <a:pPr marL="0" indent="0">
-              <a:buNone/>
-            </a:pPr>
-            <a:r>
-              <a:rPr lang="en-US" altLang="zh-CN" sz="2400" b="0" dirty="0">
-                <a:solidFill>
-                  <a:srgbClr val="569CD6"/>
-                </a:solidFill>
-                <a:effectLst/>
-                <a:latin typeface="Consolas" panose="020B0609020204030204" pitchFamily="49" charset="0"/>
-              </a:rPr>
-              <a:t>static</a:t>
-            </a:r>
-            <a:r>
-              <a:rPr lang="en-US" altLang="zh-CN" sz="2400" b="0" dirty="0">
-                <a:solidFill>
-                  <a:srgbClr val="D4D4D4"/>
-                </a:solidFill>
-                <a:effectLst/>
-                <a:latin typeface="Consolas" panose="020B0609020204030204" pitchFamily="49" charset="0"/>
-              </a:rPr>
-              <a:t> </a:t>
-            </a:r>
-            <a:r>
-              <a:rPr lang="en-US" altLang="zh-CN" sz="2400" b="0" dirty="0">
-                <a:solidFill>
-                  <a:srgbClr val="4EC9B0"/>
-                </a:solidFill>
-                <a:effectLst/>
-                <a:latin typeface="Consolas" panose="020B0609020204030204" pitchFamily="49" charset="0"/>
-              </a:rPr>
-              <a:t>std</a:t>
-            </a:r>
-            <a:r>
-              <a:rPr lang="en-US" altLang="zh-CN" sz="2400" b="0" dirty="0">
-                <a:solidFill>
-                  <a:srgbClr val="D4D4D4"/>
-                </a:solidFill>
-                <a:effectLst/>
-                <a:latin typeface="Consolas" panose="020B0609020204030204" pitchFamily="49" charset="0"/>
-              </a:rPr>
-              <a:t>::</a:t>
-            </a:r>
-            <a:r>
-              <a:rPr lang="en-US" altLang="zh-CN" sz="2400" b="0" dirty="0" err="1">
-                <a:solidFill>
-                  <a:srgbClr val="4EC9B0"/>
-                </a:solidFill>
-                <a:effectLst/>
-                <a:latin typeface="Consolas" panose="020B0609020204030204" pitchFamily="49" charset="0"/>
-              </a:rPr>
-              <a:t>shared_ptr</a:t>
-            </a:r>
-            <a:r>
-              <a:rPr lang="en-US" altLang="zh-CN" sz="2400" b="0" dirty="0">
-                <a:solidFill>
-                  <a:srgbClr val="D4D4D4"/>
-                </a:solidFill>
-                <a:effectLst/>
-                <a:latin typeface="Consolas" panose="020B0609020204030204" pitchFamily="49" charset="0"/>
-              </a:rPr>
-              <a:t>&lt;</a:t>
-            </a:r>
-            <a:r>
-              <a:rPr lang="en-US" altLang="zh-CN" sz="2400" b="0" dirty="0" err="1">
-                <a:solidFill>
-                  <a:srgbClr val="4EC9B0"/>
-                </a:solidFill>
-                <a:effectLst/>
-                <a:latin typeface="Consolas" panose="020B0609020204030204" pitchFamily="49" charset="0"/>
-              </a:rPr>
-              <a:t>runtime_instance</a:t>
-            </a:r>
-            <a:r>
-              <a:rPr lang="en-US" altLang="zh-CN" sz="2400" b="0" dirty="0">
-                <a:solidFill>
-                  <a:srgbClr val="D4D4D4"/>
-                </a:solidFill>
-                <a:effectLst/>
-                <a:latin typeface="Consolas" panose="020B0609020204030204" pitchFamily="49" charset="0"/>
-              </a:rPr>
-              <a:t>&gt; </a:t>
-            </a:r>
-            <a:r>
-              <a:rPr lang="en-US" altLang="zh-CN" sz="2400" b="0" dirty="0" err="1">
-                <a:solidFill>
-                  <a:srgbClr val="DCDCAA"/>
-                </a:solidFill>
-                <a:effectLst/>
-                <a:latin typeface="Consolas" panose="020B0609020204030204" pitchFamily="49" charset="0"/>
-              </a:rPr>
-              <a:t>create_runtime_instance</a:t>
-            </a:r>
-            <a:r>
-              <a:rPr lang="en-US" altLang="zh-CN" sz="2400" b="0" dirty="0">
-                <a:solidFill>
-                  <a:srgbClr val="D4D4D4"/>
-                </a:solidFill>
-                <a:effectLst/>
-                <a:latin typeface="Consolas" panose="020B0609020204030204" pitchFamily="49" charset="0"/>
-              </a:rPr>
-              <a:t>(</a:t>
-            </a:r>
-          </a:p>
-          <a:p>
-            <a:pPr marL="0" indent="0">
-              <a:buNone/>
-            </a:pPr>
-            <a:r>
-              <a:rPr lang="en-US" altLang="zh-CN" sz="2400" b="0" dirty="0">
-                <a:solidFill>
-                  <a:srgbClr val="D4D4D4"/>
-                </a:solidFill>
-                <a:effectLst/>
-                <a:latin typeface="Consolas" panose="020B0609020204030204" pitchFamily="49" charset="0"/>
-              </a:rPr>
-              <a:t>      </a:t>
-            </a:r>
-            <a:r>
-              <a:rPr lang="en-US" altLang="zh-CN" sz="2400" b="0" dirty="0">
-                <a:solidFill>
-                  <a:srgbClr val="569CD6"/>
-                </a:solidFill>
-                <a:effectLst/>
-                <a:latin typeface="Consolas" panose="020B0609020204030204" pitchFamily="49" charset="0"/>
-              </a:rPr>
-              <a:t>const</a:t>
-            </a:r>
-            <a:r>
-              <a:rPr lang="en-US" altLang="zh-CN" sz="2400" b="0" dirty="0">
-                <a:solidFill>
-                  <a:srgbClr val="D4D4D4"/>
-                </a:solidFill>
-                <a:effectLst/>
-                <a:latin typeface="Consolas" panose="020B0609020204030204" pitchFamily="49" charset="0"/>
-              </a:rPr>
-              <a:t> </a:t>
-            </a:r>
-            <a:r>
-              <a:rPr lang="en-US" altLang="zh-CN" sz="2400" b="0" dirty="0">
-                <a:solidFill>
-                  <a:srgbClr val="4EC9B0"/>
-                </a:solidFill>
-                <a:effectLst/>
-                <a:latin typeface="Consolas" panose="020B0609020204030204" pitchFamily="49" charset="0"/>
-              </a:rPr>
-              <a:t>std</a:t>
-            </a:r>
-            <a:r>
-              <a:rPr lang="en-US" altLang="zh-CN" sz="2400" b="0" dirty="0">
-                <a:solidFill>
-                  <a:srgbClr val="D4D4D4"/>
-                </a:solidFill>
-                <a:effectLst/>
-                <a:latin typeface="Consolas" panose="020B0609020204030204" pitchFamily="49" charset="0"/>
-              </a:rPr>
-              <a:t>::</a:t>
-            </a:r>
-            <a:r>
-              <a:rPr lang="en-US" altLang="zh-CN" sz="2400" b="0" dirty="0" err="1">
-                <a:solidFill>
-                  <a:srgbClr val="4EC9B0"/>
-                </a:solidFill>
-                <a:effectLst/>
-                <a:latin typeface="Consolas" panose="020B0609020204030204" pitchFamily="49" charset="0"/>
-              </a:rPr>
-              <a:t>shared_ptr</a:t>
-            </a:r>
-            <a:r>
-              <a:rPr lang="en-US" altLang="zh-CN" sz="2400" b="0" dirty="0">
-                <a:solidFill>
-                  <a:srgbClr val="D4D4D4"/>
-                </a:solidFill>
-                <a:effectLst/>
-                <a:latin typeface="Consolas" panose="020B0609020204030204" pitchFamily="49" charset="0"/>
-              </a:rPr>
-              <a:t>&lt;</a:t>
-            </a:r>
-            <a:r>
-              <a:rPr lang="en-US" altLang="zh-CN" sz="2400" b="0" dirty="0" err="1">
-                <a:solidFill>
-                  <a:srgbClr val="4EC9B0"/>
-                </a:solidFill>
-                <a:effectLst/>
-                <a:latin typeface="Consolas" panose="020B0609020204030204" pitchFamily="49" charset="0"/>
-              </a:rPr>
-              <a:t>symbol_definition</a:t>
-            </a:r>
-            <a:r>
-              <a:rPr lang="en-US" altLang="zh-CN" sz="2400" b="0" dirty="0">
-                <a:solidFill>
-                  <a:srgbClr val="D4D4D4"/>
-                </a:solidFill>
-                <a:effectLst/>
-                <a:latin typeface="Consolas" panose="020B0609020204030204" pitchFamily="49" charset="0"/>
-              </a:rPr>
-              <a:t>&gt; </a:t>
-            </a:r>
-            <a:r>
-              <a:rPr lang="en-US" altLang="zh-CN" sz="2400" b="0" dirty="0">
-                <a:solidFill>
-                  <a:srgbClr val="569CD6"/>
-                </a:solidFill>
-                <a:effectLst/>
-                <a:latin typeface="Consolas" panose="020B0609020204030204" pitchFamily="49" charset="0"/>
-              </a:rPr>
-              <a:t>&amp;</a:t>
-            </a:r>
-            <a:r>
-              <a:rPr lang="en-US" altLang="zh-CN" sz="2400" b="0" dirty="0">
-                <a:solidFill>
-                  <a:srgbClr val="9CDCFE"/>
-                </a:solidFill>
-                <a:effectLst/>
-                <a:latin typeface="Consolas" panose="020B0609020204030204" pitchFamily="49" charset="0"/>
-              </a:rPr>
-              <a:t>def</a:t>
-            </a:r>
-            <a:r>
-              <a:rPr lang="en-US" altLang="zh-CN" sz="2400" b="0" dirty="0">
-                <a:solidFill>
-                  <a:srgbClr val="D4D4D4"/>
-                </a:solidFill>
-                <a:effectLst/>
-                <a:latin typeface="Consolas" panose="020B0609020204030204" pitchFamily="49" charset="0"/>
-              </a:rPr>
-              <a:t>,</a:t>
-            </a:r>
-          </a:p>
-          <a:p>
-            <a:pPr marL="0" indent="0">
-              <a:buNone/>
-            </a:pPr>
-            <a:r>
-              <a:rPr lang="en-US" altLang="zh-CN" sz="2400" b="0" dirty="0">
-                <a:solidFill>
-                  <a:srgbClr val="D4D4D4"/>
-                </a:solidFill>
-                <a:effectLst/>
-                <a:latin typeface="Consolas" panose="020B0609020204030204" pitchFamily="49" charset="0"/>
-              </a:rPr>
-              <a:t>      </a:t>
-            </a:r>
-            <a:r>
-              <a:rPr lang="en-US" altLang="zh-CN" sz="2400" b="0" dirty="0">
-                <a:solidFill>
-                  <a:srgbClr val="569CD6"/>
-                </a:solidFill>
-                <a:effectLst/>
-                <a:latin typeface="Consolas" panose="020B0609020204030204" pitchFamily="49" charset="0"/>
-              </a:rPr>
-              <a:t>const</a:t>
-            </a:r>
-            <a:r>
-              <a:rPr lang="en-US" altLang="zh-CN" sz="2400" b="0" dirty="0">
-                <a:solidFill>
-                  <a:srgbClr val="D4D4D4"/>
-                </a:solidFill>
-                <a:effectLst/>
-                <a:latin typeface="Consolas" panose="020B0609020204030204" pitchFamily="49" charset="0"/>
-              </a:rPr>
-              <a:t> </a:t>
-            </a:r>
-            <a:r>
-              <a:rPr lang="en-US" altLang="zh-CN" sz="2400" b="0" dirty="0">
-                <a:solidFill>
-                  <a:srgbClr val="4EC9B0"/>
-                </a:solidFill>
-                <a:effectLst/>
-                <a:latin typeface="Consolas" panose="020B0609020204030204" pitchFamily="49" charset="0"/>
-              </a:rPr>
-              <a:t>std</a:t>
-            </a:r>
-            <a:r>
-              <a:rPr lang="en-US" altLang="zh-CN" sz="2400" b="0" dirty="0">
-                <a:solidFill>
-                  <a:srgbClr val="D4D4D4"/>
-                </a:solidFill>
-                <a:effectLst/>
-                <a:latin typeface="Consolas" panose="020B0609020204030204" pitchFamily="49" charset="0"/>
-              </a:rPr>
-              <a:t>::</a:t>
-            </a:r>
-            <a:r>
-              <a:rPr lang="en-US" altLang="zh-CN" sz="2400" b="0" dirty="0">
-                <a:solidFill>
-                  <a:srgbClr val="4EC9B0"/>
-                </a:solidFill>
-                <a:effectLst/>
-                <a:latin typeface="Consolas" panose="020B0609020204030204" pitchFamily="49" charset="0"/>
-              </a:rPr>
-              <a:t>map</a:t>
-            </a:r>
-            <a:r>
-              <a:rPr lang="en-US" altLang="zh-CN" sz="2400" b="0" dirty="0">
-                <a:solidFill>
-                  <a:srgbClr val="D4D4D4"/>
-                </a:solidFill>
-                <a:effectLst/>
-                <a:latin typeface="Consolas" panose="020B0609020204030204" pitchFamily="49" charset="0"/>
-              </a:rPr>
-              <a:t>&lt;</a:t>
-            </a:r>
-            <a:r>
-              <a:rPr lang="en-US" altLang="zh-CN" sz="2400" b="0" dirty="0">
-                <a:solidFill>
-                  <a:srgbClr val="4EC9B0"/>
-                </a:solidFill>
-                <a:effectLst/>
-                <a:latin typeface="Consolas" panose="020B0609020204030204" pitchFamily="49" charset="0"/>
-              </a:rPr>
-              <a:t>std</a:t>
-            </a:r>
-            <a:r>
-              <a:rPr lang="en-US" altLang="zh-CN" sz="2400" b="0" dirty="0">
-                <a:solidFill>
-                  <a:srgbClr val="D4D4D4"/>
-                </a:solidFill>
-                <a:effectLst/>
-                <a:latin typeface="Consolas" panose="020B0609020204030204" pitchFamily="49" charset="0"/>
-              </a:rPr>
-              <a:t>::</a:t>
-            </a:r>
-            <a:r>
-              <a:rPr lang="en-US" altLang="zh-CN" sz="2400" b="0" dirty="0">
-                <a:solidFill>
-                  <a:srgbClr val="4EC9B0"/>
-                </a:solidFill>
-                <a:effectLst/>
-                <a:latin typeface="Consolas" panose="020B0609020204030204" pitchFamily="49" charset="0"/>
-              </a:rPr>
-              <a:t>string</a:t>
-            </a:r>
-            <a:r>
-              <a:rPr lang="en-US" altLang="zh-CN" sz="2400" b="0" dirty="0">
-                <a:solidFill>
-                  <a:srgbClr val="D4D4D4"/>
-                </a:solidFill>
-                <a:effectLst/>
-                <a:latin typeface="Consolas" panose="020B0609020204030204" pitchFamily="49" charset="0"/>
-              </a:rPr>
-              <a:t>, </a:t>
-            </a:r>
-            <a:r>
-              <a:rPr lang="en-US" altLang="zh-CN" sz="2400" b="0" dirty="0">
-                <a:solidFill>
-                  <a:srgbClr val="4EC9B0"/>
-                </a:solidFill>
-                <a:effectLst/>
-                <a:latin typeface="Consolas" panose="020B0609020204030204" pitchFamily="49" charset="0"/>
-              </a:rPr>
-              <a:t>std</a:t>
-            </a:r>
-            <a:r>
-              <a:rPr lang="en-US" altLang="zh-CN" sz="2400" b="0" dirty="0">
-                <a:solidFill>
-                  <a:srgbClr val="D4D4D4"/>
-                </a:solidFill>
-                <a:effectLst/>
-                <a:latin typeface="Consolas" panose="020B0609020204030204" pitchFamily="49" charset="0"/>
-              </a:rPr>
-              <a:t>::</a:t>
-            </a:r>
-            <a:r>
-              <a:rPr lang="en-US" altLang="zh-CN" sz="2400" b="0" dirty="0" err="1">
-                <a:solidFill>
-                  <a:srgbClr val="4EC9B0"/>
-                </a:solidFill>
-                <a:effectLst/>
-                <a:latin typeface="Consolas" panose="020B0609020204030204" pitchFamily="49" charset="0"/>
-              </a:rPr>
-              <a:t>shared_ptr</a:t>
-            </a:r>
-            <a:r>
-              <a:rPr lang="en-US" altLang="zh-CN" sz="2400" b="0" dirty="0">
-                <a:solidFill>
-                  <a:srgbClr val="D4D4D4"/>
-                </a:solidFill>
-                <a:effectLst/>
-                <a:latin typeface="Consolas" panose="020B0609020204030204" pitchFamily="49" charset="0"/>
-              </a:rPr>
-              <a:t>&lt;</a:t>
-            </a:r>
-            <a:r>
-              <a:rPr lang="en-US" altLang="zh-CN" sz="2400" b="0" dirty="0" err="1">
-                <a:solidFill>
-                  <a:srgbClr val="4EC9B0"/>
-                </a:solidFill>
-                <a:effectLst/>
-                <a:latin typeface="Consolas" panose="020B0609020204030204" pitchFamily="49" charset="0"/>
-              </a:rPr>
-              <a:t>symbol_definition</a:t>
-            </a:r>
-            <a:r>
-              <a:rPr lang="en-US" altLang="zh-CN" sz="2400" b="0" dirty="0">
-                <a:solidFill>
-                  <a:srgbClr val="D4D4D4"/>
-                </a:solidFill>
-                <a:effectLst/>
-                <a:latin typeface="Consolas" panose="020B0609020204030204" pitchFamily="49" charset="0"/>
-              </a:rPr>
-              <a:t>&gt;&gt; </a:t>
-            </a:r>
-            <a:r>
-              <a:rPr lang="en-US" altLang="zh-CN" sz="2400" b="0" dirty="0">
-                <a:solidFill>
-                  <a:srgbClr val="569CD6"/>
-                </a:solidFill>
-                <a:effectLst/>
-                <a:latin typeface="Consolas" panose="020B0609020204030204" pitchFamily="49" charset="0"/>
-              </a:rPr>
-              <a:t>&amp;</a:t>
-            </a:r>
-            <a:r>
-              <a:rPr lang="en-US" altLang="zh-CN" sz="2400" b="0" dirty="0" err="1">
-                <a:solidFill>
-                  <a:srgbClr val="9CDCFE"/>
-                </a:solidFill>
-                <a:effectLst/>
-                <a:latin typeface="Consolas" panose="020B0609020204030204" pitchFamily="49" charset="0"/>
-              </a:rPr>
-              <a:t>def_map</a:t>
-            </a:r>
-            <a:r>
-              <a:rPr lang="en-US" altLang="zh-CN" sz="2400" b="0" dirty="0">
-                <a:solidFill>
-                  <a:srgbClr val="D4D4D4"/>
-                </a:solidFill>
-                <a:effectLst/>
-                <a:latin typeface="Consolas" panose="020B0609020204030204" pitchFamily="49" charset="0"/>
-              </a:rPr>
-              <a:t>);</a:t>
-            </a:r>
-          </a:p>
-        </p:txBody>
-      </p:sp>
-    </p:spTree>
-    <p:extLst>
-      <p:ext uri="{BB962C8B-B14F-4D97-AF65-F5344CB8AC3E}">
-        <p14:creationId xmlns:p14="http://schemas.microsoft.com/office/powerpoint/2010/main" val="151021973"/>
       </p:ext>
     </p:extLst>
   </p:cSld>
